--- a/results/CSE509_Video_Steganography.pptx
+++ b/results/CSE509_Video_Steganography.pptx
@@ -5,7 +5,7 @@
     <p:sldMasterId id="2147483792" r:id="rId1"/>
   </p:sldMasterIdLst>
   <p:notesMasterIdLst>
-    <p:notesMasterId r:id="rId16"/>
+    <p:notesMasterId r:id="rId19"/>
   </p:notesMasterIdLst>
   <p:sldIdLst>
     <p:sldId id="256" r:id="rId2"/>
@@ -19,9 +19,12 @@
     <p:sldId id="275" r:id="rId10"/>
     <p:sldId id="276" r:id="rId11"/>
     <p:sldId id="277" r:id="rId12"/>
-    <p:sldId id="267" r:id="rId13"/>
-    <p:sldId id="268" r:id="rId14"/>
-    <p:sldId id="269" r:id="rId15"/>
+    <p:sldId id="278" r:id="rId13"/>
+    <p:sldId id="279" r:id="rId14"/>
+    <p:sldId id="280" r:id="rId15"/>
+    <p:sldId id="267" r:id="rId16"/>
+    <p:sldId id="268" r:id="rId17"/>
+    <p:sldId id="269" r:id="rId18"/>
   </p:sldIdLst>
   <p:sldSz cx="9144000" cy="6858000" type="screen4x3"/>
   <p:notesSz cx="6858000" cy="9144000"/>
@@ -15094,7 +15097,7 @@
             </a:r>
             <a:r>
               <a:rPr lang="en-US" dirty="0" smtClean="0"/>
-              <a:t>2: Algorithm </a:t>
+              <a:t>2: Embedding</a:t>
             </a:r>
             <a:endParaRPr lang="en-US" dirty="0"/>
           </a:p>
@@ -15117,8 +15120,52 @@
           <a:p>
             <a:r>
               <a:rPr lang="en-US" dirty="0" smtClean="0"/>
-              <a:t>Apply 2D DCT to entire host frame.</a:t>
+              <a:t>Apply 2D DCT to entire Y channel of the host frame.</a:t>
             </a:r>
+          </a:p>
+          <a:p>
+            <a:pPr lvl="1"/>
+            <a:r>
+              <a:rPr lang="en-US" dirty="0" smtClean="0"/>
+              <a:t>This breaks the frame into frequency components.</a:t>
+            </a:r>
+          </a:p>
+          <a:p>
+            <a:r>
+              <a:rPr lang="en-US" dirty="0" smtClean="0"/>
+              <a:t>Specify the number of LSB/MSB bits to use for embedding.</a:t>
+            </a:r>
+          </a:p>
+          <a:p>
+            <a:r>
+              <a:rPr lang="en-US" dirty="0" smtClean="0"/>
+              <a:t>Create random bit mask for later use, or custom bit mask can be specified. </a:t>
+            </a:r>
+          </a:p>
+          <a:p>
+            <a:pPr lvl="1"/>
+            <a:r>
+              <a:rPr lang="en-US" dirty="0" smtClean="0"/>
+              <a:t>This bit mask will be the same size as a CIF frame.</a:t>
+            </a:r>
+          </a:p>
+          <a:p>
+            <a:r>
+              <a:rPr lang="en-US" dirty="0" smtClean="0"/>
+              <a:t>Iterate through the bit mask, and store an MSB/LSB value in an alternating pattern in the carrier frame if the bit is on.</a:t>
+            </a:r>
+          </a:p>
+          <a:p>
+            <a:r>
+              <a:rPr lang="en-US" dirty="0" smtClean="0"/>
+              <a:t>Apply IDCT and save the YUV channels and results in the embedded carrier.</a:t>
+            </a:r>
+          </a:p>
+          <a:p>
+            <a:endParaRPr lang="en-US" dirty="0" smtClean="0"/>
+          </a:p>
+          <a:p>
+            <a:endParaRPr lang="en-US" dirty="0" smtClean="0"/>
           </a:p>
           <a:p>
             <a:endParaRPr lang="en-US" dirty="0"/>
@@ -15179,6 +15226,303 @@
         </p:nvSpPr>
         <p:spPr/>
         <p:txBody>
+          <a:bodyPr/>
+          <a:lstStyle/>
+          <a:p>
+            <a:r>
+              <a:rPr lang="en-US" dirty="0" smtClean="0"/>
+              <a:t>Approach 2: Bit Mask</a:t>
+            </a:r>
+            <a:endParaRPr lang="en-US" dirty="0"/>
+          </a:p>
+        </p:txBody>
+      </p:sp>
+      <p:pic>
+        <p:nvPicPr>
+          <p:cNvPr id="6" name="Content Placeholder 5"/>
+          <p:cNvPicPr>
+            <a:picLocks noGrp="1" noChangeAspect="1"/>
+          </p:cNvPicPr>
+          <p:nvPr>
+            <p:ph idx="1"/>
+          </p:nvPr>
+        </p:nvPicPr>
+        <p:blipFill rotWithShape="1">
+          <a:blip r:embed="rId2">
+            <a:extLst>
+              <a:ext uri="{28A0092B-C50C-407E-A947-70E740481C1C}">
+                <a14:useLocalDpi xmlns:a14="http://schemas.microsoft.com/office/drawing/2010/main" val="0"/>
+              </a:ext>
+            </a:extLst>
+          </a:blip>
+          <a:srcRect l="19356" t="9579" r="19358" b="16390"/>
+          <a:stretch/>
+        </p:blipFill>
+        <p:spPr>
+          <a:xfrm>
+            <a:off x="2209800" y="1219200"/>
+            <a:ext cx="4648199" cy="4571999"/>
+          </a:xfrm>
+        </p:spPr>
+      </p:pic>
+    </p:spTree>
+    <p:extLst>
+      <p:ext uri="{BB962C8B-B14F-4D97-AF65-F5344CB8AC3E}">
+        <p14:creationId xmlns:p14="http://schemas.microsoft.com/office/powerpoint/2010/main" val="537851492"/>
+      </p:ext>
+    </p:extLst>
+  </p:cSld>
+  <p:clrMapOvr>
+    <a:masterClrMapping/>
+  </p:clrMapOvr>
+  <mc:AlternateContent xmlns:mc="http://schemas.openxmlformats.org/markup-compatibility/2006" xmlns:p14="http://schemas.microsoft.com/office/powerpoint/2010/main">
+    <mc:Choice Requires="p14">
+      <p:transition spd="slow" p14:dur="800">
+        <p14:flythrough/>
+      </p:transition>
+    </mc:Choice>
+    <mc:Fallback xmlns="">
+      <p:transition spd="slow">
+        <p:fade/>
+      </p:transition>
+    </mc:Fallback>
+  </mc:AlternateContent>
+</p:sld>
+</file>
+
+<file path=ppt/slides/slide13.xml><?xml version="1.0" encoding="utf-8"?>
+<p:sld xmlns:a="http://schemas.openxmlformats.org/drawingml/2006/main" xmlns:r="http://schemas.openxmlformats.org/officeDocument/2006/relationships" xmlns:p="http://schemas.openxmlformats.org/presentationml/2006/main">
+  <p:cSld>
+    <p:spTree>
+      <p:nvGrpSpPr>
+        <p:cNvPr id="1" name=""/>
+        <p:cNvGrpSpPr/>
+        <p:nvPr/>
+      </p:nvGrpSpPr>
+      <p:grpSpPr>
+        <a:xfrm>
+          <a:off x="0" y="0"/>
+          <a:ext cx="0" cy="0"/>
+          <a:chOff x="0" y="0"/>
+          <a:chExt cx="0" cy="0"/>
+        </a:xfrm>
+      </p:grpSpPr>
+      <p:sp>
+        <p:nvSpPr>
+          <p:cNvPr id="2" name="Title 1"/>
+          <p:cNvSpPr>
+            <a:spLocks noGrp="1"/>
+          </p:cNvSpPr>
+          <p:nvPr>
+            <p:ph type="title"/>
+          </p:nvPr>
+        </p:nvSpPr>
+        <p:spPr/>
+        <p:txBody>
+          <a:bodyPr/>
+          <a:lstStyle/>
+          <a:p>
+            <a:r>
+              <a:rPr lang="en-US" dirty="0" smtClean="0"/>
+              <a:t>Approach 2: Selection </a:t>
+            </a:r>
+            <a:endParaRPr lang="en-US" dirty="0"/>
+          </a:p>
+        </p:txBody>
+      </p:sp>
+      <p:pic>
+        <p:nvPicPr>
+          <p:cNvPr id="4" name="Content Placeholder 3"/>
+          <p:cNvPicPr>
+            <a:picLocks noGrp="1" noChangeAspect="1"/>
+          </p:cNvPicPr>
+          <p:nvPr>
+            <p:ph idx="1"/>
+          </p:nvPr>
+        </p:nvPicPr>
+        <p:blipFill>
+          <a:blip r:embed="rId2">
+            <a:extLst>
+              <a:ext uri="{28A0092B-C50C-407E-A947-70E740481C1C}">
+                <a14:useLocalDpi xmlns:a14="http://schemas.microsoft.com/office/drawing/2010/main" val="0"/>
+              </a:ext>
+            </a:extLst>
+          </a:blip>
+          <a:stretch>
+            <a:fillRect/>
+          </a:stretch>
+        </p:blipFill>
+        <p:spPr>
+          <a:xfrm>
+            <a:off x="685800" y="2435104"/>
+            <a:ext cx="7772400" cy="2063991"/>
+          </a:xfrm>
+        </p:spPr>
+      </p:pic>
+    </p:spTree>
+    <p:extLst>
+      <p:ext uri="{BB962C8B-B14F-4D97-AF65-F5344CB8AC3E}">
+        <p14:creationId xmlns:p14="http://schemas.microsoft.com/office/powerpoint/2010/main" val="2466668417"/>
+      </p:ext>
+    </p:extLst>
+  </p:cSld>
+  <p:clrMapOvr>
+    <a:masterClrMapping/>
+  </p:clrMapOvr>
+  <mc:AlternateContent xmlns:mc="http://schemas.openxmlformats.org/markup-compatibility/2006" xmlns:p14="http://schemas.microsoft.com/office/powerpoint/2010/main">
+    <mc:Choice Requires="p14">
+      <p:transition spd="slow" p14:dur="800">
+        <p14:flythrough/>
+      </p:transition>
+    </mc:Choice>
+    <mc:Fallback xmlns="">
+      <p:transition spd="slow">
+        <p:fade/>
+      </p:transition>
+    </mc:Fallback>
+  </mc:AlternateContent>
+</p:sld>
+</file>
+
+<file path=ppt/slides/slide14.xml><?xml version="1.0" encoding="utf-8"?>
+<p:sld xmlns:a="http://schemas.openxmlformats.org/drawingml/2006/main" xmlns:r="http://schemas.openxmlformats.org/officeDocument/2006/relationships" xmlns:p="http://schemas.openxmlformats.org/presentationml/2006/main">
+  <p:cSld>
+    <p:spTree>
+      <p:nvGrpSpPr>
+        <p:cNvPr id="1" name=""/>
+        <p:cNvGrpSpPr/>
+        <p:nvPr/>
+      </p:nvGrpSpPr>
+      <p:grpSpPr>
+        <a:xfrm>
+          <a:off x="0" y="0"/>
+          <a:ext cx="0" cy="0"/>
+          <a:chOff x="0" y="0"/>
+          <a:chExt cx="0" cy="0"/>
+        </a:xfrm>
+      </p:grpSpPr>
+      <p:sp>
+        <p:nvSpPr>
+          <p:cNvPr id="2" name="Title 1"/>
+          <p:cNvSpPr>
+            <a:spLocks noGrp="1"/>
+          </p:cNvSpPr>
+          <p:nvPr>
+            <p:ph type="title"/>
+          </p:nvPr>
+        </p:nvSpPr>
+        <p:spPr/>
+        <p:txBody>
+          <a:bodyPr/>
+          <a:lstStyle/>
+          <a:p>
+            <a:r>
+              <a:rPr lang="en-US" dirty="0" smtClean="0"/>
+              <a:t>Approach 2: Retrieval</a:t>
+            </a:r>
+            <a:endParaRPr lang="en-US" dirty="0"/>
+          </a:p>
+        </p:txBody>
+      </p:sp>
+      <p:sp>
+        <p:nvSpPr>
+          <p:cNvPr id="3" name="Content Placeholder 2"/>
+          <p:cNvSpPr>
+            <a:spLocks noGrp="1"/>
+          </p:cNvSpPr>
+          <p:nvPr>
+            <p:ph idx="1"/>
+          </p:nvPr>
+        </p:nvSpPr>
+        <p:spPr/>
+        <p:txBody>
+          <a:bodyPr/>
+          <a:lstStyle/>
+          <a:p>
+            <a:r>
+              <a:rPr lang="en-US" dirty="0" smtClean="0"/>
+              <a:t>Same initial process as the embedding section.</a:t>
+            </a:r>
+          </a:p>
+          <a:p>
+            <a:r>
+              <a:rPr lang="en-US" dirty="0" smtClean="0"/>
+              <a:t>Iterate through the Y channel of the carrier frame and extract the last n-bits from the current value.</a:t>
+            </a:r>
+          </a:p>
+          <a:p>
+            <a:r>
+              <a:rPr lang="en-US" dirty="0" smtClean="0"/>
+              <a:t>Every pair that is extracted is joined to form an 8-bit pixel, which will be used to form the seed frame.</a:t>
+            </a:r>
+          </a:p>
+          <a:p>
+            <a:r>
+              <a:rPr lang="en-US" dirty="0" smtClean="0"/>
+              <a:t>Once every pixel is reconstructed a frame has been extracted and can </a:t>
+            </a:r>
+            <a:r>
+              <a:rPr lang="en-US" smtClean="0"/>
+              <a:t>be saved.</a:t>
+            </a:r>
+            <a:endParaRPr lang="en-US" dirty="0"/>
+          </a:p>
+        </p:txBody>
+      </p:sp>
+    </p:spTree>
+    <p:extLst>
+      <p:ext uri="{BB962C8B-B14F-4D97-AF65-F5344CB8AC3E}">
+        <p14:creationId xmlns:p14="http://schemas.microsoft.com/office/powerpoint/2010/main" val="2230257474"/>
+      </p:ext>
+    </p:extLst>
+  </p:cSld>
+  <p:clrMapOvr>
+    <a:masterClrMapping/>
+  </p:clrMapOvr>
+  <mc:AlternateContent xmlns:mc="http://schemas.openxmlformats.org/markup-compatibility/2006" xmlns:p14="http://schemas.microsoft.com/office/powerpoint/2010/main">
+    <mc:Choice Requires="p14">
+      <p:transition spd="slow" p14:dur="800">
+        <p14:flythrough/>
+      </p:transition>
+    </mc:Choice>
+    <mc:Fallback xmlns="">
+      <p:transition spd="slow">
+        <p:fade/>
+      </p:transition>
+    </mc:Fallback>
+  </mc:AlternateContent>
+</p:sld>
+</file>
+
+<file path=ppt/slides/slide15.xml><?xml version="1.0" encoding="utf-8"?>
+<p:sld xmlns:a="http://schemas.openxmlformats.org/drawingml/2006/main" xmlns:r="http://schemas.openxmlformats.org/officeDocument/2006/relationships" xmlns:p="http://schemas.openxmlformats.org/presentationml/2006/main">
+  <p:cSld>
+    <p:spTree>
+      <p:nvGrpSpPr>
+        <p:cNvPr id="1" name=""/>
+        <p:cNvGrpSpPr/>
+        <p:nvPr/>
+      </p:nvGrpSpPr>
+      <p:grpSpPr>
+        <a:xfrm>
+          <a:off x="0" y="0"/>
+          <a:ext cx="0" cy="0"/>
+          <a:chOff x="0" y="0"/>
+          <a:chExt cx="0" cy="0"/>
+        </a:xfrm>
+      </p:grpSpPr>
+      <p:sp>
+        <p:nvSpPr>
+          <p:cNvPr id="2" name="Title 1"/>
+          <p:cNvSpPr>
+            <a:spLocks noGrp="1"/>
+          </p:cNvSpPr>
+          <p:nvPr>
+            <p:ph type="title"/>
+          </p:nvPr>
+        </p:nvSpPr>
+        <p:spPr/>
+        <p:txBody>
           <a:bodyPr>
             <a:normAutofit fontScale="90000"/>
           </a:bodyPr>
@@ -15247,7 +15591,7 @@
 </p:sld>
 </file>
 
-<file path=ppt/slides/slide13.xml><?xml version="1.0" encoding="utf-8"?>
+<file path=ppt/slides/slide16.xml><?xml version="1.0" encoding="utf-8"?>
 <p:sld xmlns:a="http://schemas.openxmlformats.org/drawingml/2006/main" xmlns:r="http://schemas.openxmlformats.org/officeDocument/2006/relationships" xmlns:p="http://schemas.openxmlformats.org/presentationml/2006/main">
   <p:cSld>
     <p:spTree>
@@ -15374,7 +15718,7 @@
 </p:sld>
 </file>
 
-<file path=ppt/slides/slide14.xml><?xml version="1.0" encoding="utf-8"?>
+<file path=ppt/slides/slide17.xml><?xml version="1.0" encoding="utf-8"?>
 <p:sld xmlns:a="http://schemas.openxmlformats.org/drawingml/2006/main" xmlns:r="http://schemas.openxmlformats.org/officeDocument/2006/relationships" xmlns:p="http://schemas.openxmlformats.org/presentationml/2006/main">
   <p:cSld>
     <p:spTree>

--- a/results/CSE509_Video_Steganography.pptx
+++ b/results/CSE509_Video_Steganography.pptx
@@ -5,26 +5,32 @@
     <p:sldMasterId id="2147483792" r:id="rId1"/>
   </p:sldMasterIdLst>
   <p:notesMasterIdLst>
-    <p:notesMasterId r:id="rId19"/>
+    <p:notesMasterId r:id="rId25"/>
   </p:notesMasterIdLst>
   <p:sldIdLst>
     <p:sldId id="256" r:id="rId2"/>
     <p:sldId id="270" r:id="rId3"/>
     <p:sldId id="272" r:id="rId4"/>
     <p:sldId id="260" r:id="rId5"/>
-    <p:sldId id="265" r:id="rId6"/>
+    <p:sldId id="279" r:id="rId6"/>
     <p:sldId id="266" r:id="rId7"/>
     <p:sldId id="273" r:id="rId8"/>
     <p:sldId id="274" r:id="rId9"/>
     <p:sldId id="275" r:id="rId10"/>
     <p:sldId id="276" r:id="rId11"/>
-    <p:sldId id="277" r:id="rId12"/>
-    <p:sldId id="278" r:id="rId13"/>
-    <p:sldId id="279" r:id="rId14"/>
-    <p:sldId id="280" r:id="rId15"/>
-    <p:sldId id="267" r:id="rId16"/>
-    <p:sldId id="268" r:id="rId17"/>
-    <p:sldId id="269" r:id="rId18"/>
+    <p:sldId id="282" r:id="rId12"/>
+    <p:sldId id="286" r:id="rId13"/>
+    <p:sldId id="283" r:id="rId14"/>
+    <p:sldId id="284" r:id="rId15"/>
+    <p:sldId id="285" r:id="rId16"/>
+    <p:sldId id="287" r:id="rId17"/>
+    <p:sldId id="267" r:id="rId18"/>
+    <p:sldId id="277" r:id="rId19"/>
+    <p:sldId id="288" r:id="rId20"/>
+    <p:sldId id="289" r:id="rId21"/>
+    <p:sldId id="281" r:id="rId22"/>
+    <p:sldId id="280" r:id="rId23"/>
+    <p:sldId id="278" r:id="rId24"/>
   </p:sldIdLst>
   <p:sldSz cx="9144000" cy="6858000" type="screen4x3"/>
   <p:notesSz cx="6858000" cy="9144000"/>
@@ -14776,12 +14782,7 @@
             <p:ph type="ctrTitle"/>
           </p:nvPr>
         </p:nvSpPr>
-        <p:spPr>
-          <a:xfrm>
-            <a:off x="4572000" y="1676400"/>
-            <a:ext cx="3657600" cy="1524000"/>
-          </a:xfrm>
-        </p:spPr>
+        <p:spPr/>
         <p:txBody>
           <a:bodyPr>
             <a:normAutofit fontScale="90000"/>
@@ -15009,7 +15010,7 @@
         </p:blipFill>
         <p:spPr bwMode="auto">
           <a:xfrm>
-            <a:off x="3311937" y="2438400"/>
+            <a:off x="3291847" y="2438400"/>
             <a:ext cx="2479263" cy="2444125"/>
           </a:xfrm>
           <a:prstGeom prst="rect">
@@ -15175,7 +15176,7 @@
     </p:spTree>
     <p:extLst>
       <p:ext uri="{BB962C8B-B14F-4D97-AF65-F5344CB8AC3E}">
-        <p14:creationId xmlns:p14="http://schemas.microsoft.com/office/powerpoint/2010/main" val="534188694"/>
+        <p14:creationId xmlns:p14="http://schemas.microsoft.com/office/powerpoint/2010/main" val="3593179166"/>
       </p:ext>
     </p:extLst>
   </p:cSld>
@@ -15231,7 +15232,7 @@
           <a:p>
             <a:r>
               <a:rPr lang="en-US" dirty="0" smtClean="0"/>
-              <a:t>Approach 2: Bit Mask</a:t>
+              <a:t>Approach 2: Embedding</a:t>
             </a:r>
             <a:endParaRPr lang="en-US" dirty="0"/>
           </a:p>
@@ -15239,7 +15240,7 @@
       </p:sp>
       <p:pic>
         <p:nvPicPr>
-          <p:cNvPr id="6" name="Content Placeholder 5"/>
+          <p:cNvPr id="15" name="Content Placeholder 14"/>
           <p:cNvPicPr>
             <a:picLocks noGrp="1" noChangeAspect="1"/>
           </p:cNvPicPr>
@@ -15247,7 +15248,7 @@
             <p:ph idx="1"/>
           </p:nvPr>
         </p:nvPicPr>
-        <p:blipFill rotWithShape="1">
+        <p:blipFill>
           <a:blip r:embed="rId2">
             <a:extLst>
               <a:ext uri="{28A0092B-C50C-407E-A947-70E740481C1C}">
@@ -15255,20 +15256,21 @@
               </a:ext>
             </a:extLst>
           </a:blip>
-          <a:srcRect l="19356" t="9579" r="19358" b="16390"/>
-          <a:stretch/>
+          <a:stretch>
+            <a:fillRect/>
+          </a:stretch>
         </p:blipFill>
         <p:spPr>
           <a:xfrm>
-            <a:off x="2209800" y="1219200"/>
-            <a:ext cx="4648199" cy="4571999"/>
+            <a:off x="0" y="1494557"/>
+            <a:ext cx="9082844" cy="4372843"/>
           </a:xfrm>
         </p:spPr>
       </p:pic>
     </p:spTree>
     <p:extLst>
       <p:ext uri="{BB962C8B-B14F-4D97-AF65-F5344CB8AC3E}">
-        <p14:creationId xmlns:p14="http://schemas.microsoft.com/office/powerpoint/2010/main" val="537851492"/>
+        <p14:creationId xmlns:p14="http://schemas.microsoft.com/office/powerpoint/2010/main" val="2721465927"/>
       </p:ext>
     </p:extLst>
   </p:cSld>
@@ -15287,6 +15289,13 @@
       </p:transition>
     </mc:Fallback>
   </mc:AlternateContent>
+  <p:timing>
+    <p:tnLst>
+      <p:par>
+        <p:cTn id="1" dur="indefinite" restart="never" nodeType="tmRoot"/>
+      </p:par>
+    </p:tnLst>
+  </p:timing>
 </p:sld>
 </file>
 
@@ -15324,7 +15333,7 @@
           <a:p>
             <a:r>
               <a:rPr lang="en-US" dirty="0" smtClean="0"/>
-              <a:t>Approach 2: Selection </a:t>
+              <a:t>Approach 2: Bit Mask</a:t>
             </a:r>
             <a:endParaRPr lang="en-US" dirty="0"/>
           </a:p>
@@ -15332,13 +15341,11 @@
       </p:sp>
       <p:pic>
         <p:nvPicPr>
-          <p:cNvPr id="4" name="Content Placeholder 3"/>
+          <p:cNvPr id="2050" name="Picture 2"/>
           <p:cNvPicPr>
-            <a:picLocks noGrp="1" noChangeAspect="1"/>
+            <a:picLocks noChangeAspect="1" noChangeArrowheads="1"/>
           </p:cNvPicPr>
-          <p:nvPr>
-            <p:ph idx="1"/>
-          </p:nvPr>
+          <p:nvPr/>
         </p:nvPicPr>
         <p:blipFill>
           <a:blip r:embed="rId2">
@@ -15348,21 +15355,58 @@
               </a:ext>
             </a:extLst>
           </a:blip>
+          <a:srcRect/>
           <a:stretch>
             <a:fillRect/>
           </a:stretch>
         </p:blipFill>
-        <p:spPr>
+        <p:spPr bwMode="auto">
           <a:xfrm>
-            <a:off x="685800" y="2435104"/>
-            <a:ext cx="7772400" cy="2063991"/>
+            <a:off x="1905000" y="1371600"/>
+            <a:ext cx="4652962" cy="4681998"/>
           </a:xfrm>
+          <a:prstGeom prst="rect">
+            <a:avLst/>
+          </a:prstGeom>
+          <a:noFill/>
+          <a:ln>
+            <a:noFill/>
+          </a:ln>
+          <a:effectLst/>
+          <a:extLst>
+            <a:ext uri="{909E8E84-426E-40DD-AFC4-6F175D3DCCD1}">
+              <a14:hiddenFill xmlns:a14="http://schemas.microsoft.com/office/drawing/2010/main">
+                <a:solidFill>
+                  <a:schemeClr val="accent1"/>
+                </a:solidFill>
+              </a14:hiddenFill>
+            </a:ext>
+            <a:ext uri="{91240B29-F687-4F45-9708-019B960494DF}">
+              <a14:hiddenLine xmlns:a14="http://schemas.microsoft.com/office/drawing/2010/main" w="9525">
+                <a:solidFill>
+                  <a:schemeClr val="tx1"/>
+                </a:solidFill>
+                <a:miter lim="800000"/>
+                <a:headEnd/>
+                <a:tailEnd/>
+              </a14:hiddenLine>
+            </a:ext>
+            <a:ext uri="{AF507438-7753-43E0-B8FC-AC1667EBCBE1}">
+              <a14:hiddenEffects xmlns:a14="http://schemas.microsoft.com/office/drawing/2010/main">
+                <a:effectLst>
+                  <a:outerShdw dist="35921" dir="2700000" algn="ctr" rotWithShape="0">
+                    <a:schemeClr val="bg2"/>
+                  </a:outerShdw>
+                </a:effectLst>
+              </a14:hiddenEffects>
+            </a:ext>
+          </a:extLst>
         </p:spPr>
       </p:pic>
     </p:spTree>
     <p:extLst>
       <p:ext uri="{BB962C8B-B14F-4D97-AF65-F5344CB8AC3E}">
-        <p14:creationId xmlns:p14="http://schemas.microsoft.com/office/powerpoint/2010/main" val="2466668417"/>
+        <p14:creationId xmlns:p14="http://schemas.microsoft.com/office/powerpoint/2010/main" val="2386097314"/>
       </p:ext>
     </p:extLst>
   </p:cSld>
@@ -15418,61 +15462,45 @@
           <a:p>
             <a:r>
               <a:rPr lang="en-US" dirty="0" smtClean="0"/>
-              <a:t>Approach 2: Retrieval</a:t>
+              <a:t>Approach 2: Selection </a:t>
             </a:r>
             <a:endParaRPr lang="en-US" dirty="0"/>
           </a:p>
         </p:txBody>
       </p:sp>
-      <p:sp>
-        <p:nvSpPr>
-          <p:cNvPr id="3" name="Content Placeholder 2"/>
-          <p:cNvSpPr>
-            <a:spLocks noGrp="1"/>
-          </p:cNvSpPr>
+      <p:pic>
+        <p:nvPicPr>
+          <p:cNvPr id="4" name="Content Placeholder 3"/>
+          <p:cNvPicPr>
+            <a:picLocks noGrp="1" noChangeAspect="1"/>
+          </p:cNvPicPr>
           <p:nvPr>
             <p:ph idx="1"/>
           </p:nvPr>
-        </p:nvSpPr>
-        <p:spPr/>
-        <p:txBody>
-          <a:bodyPr/>
-          <a:lstStyle/>
-          <a:p>
-            <a:r>
-              <a:rPr lang="en-US" dirty="0" smtClean="0"/>
-              <a:t>Same initial process as the embedding section.</a:t>
-            </a:r>
-          </a:p>
-          <a:p>
-            <a:r>
-              <a:rPr lang="en-US" dirty="0" smtClean="0"/>
-              <a:t>Iterate through the Y channel of the carrier frame and extract the last n-bits from the current value.</a:t>
-            </a:r>
-          </a:p>
-          <a:p>
-            <a:r>
-              <a:rPr lang="en-US" dirty="0" smtClean="0"/>
-              <a:t>Every pair that is extracted is joined to form an 8-bit pixel, which will be used to form the seed frame.</a:t>
-            </a:r>
-          </a:p>
-          <a:p>
-            <a:r>
-              <a:rPr lang="en-US" dirty="0" smtClean="0"/>
-              <a:t>Once every pixel is reconstructed a frame has been extracted and can </a:t>
-            </a:r>
-            <a:r>
-              <a:rPr lang="en-US" smtClean="0"/>
-              <a:t>be saved.</a:t>
-            </a:r>
-            <a:endParaRPr lang="en-US" dirty="0"/>
-          </a:p>
-        </p:txBody>
-      </p:sp>
+        </p:nvPicPr>
+        <p:blipFill>
+          <a:blip r:embed="rId2">
+            <a:extLst>
+              <a:ext uri="{28A0092B-C50C-407E-A947-70E740481C1C}">
+                <a14:useLocalDpi xmlns:a14="http://schemas.microsoft.com/office/drawing/2010/main" val="0"/>
+              </a:ext>
+            </a:extLst>
+          </a:blip>
+          <a:stretch>
+            <a:fillRect/>
+          </a:stretch>
+        </p:blipFill>
+        <p:spPr>
+          <a:xfrm>
+            <a:off x="685800" y="2435104"/>
+            <a:ext cx="7772400" cy="2063991"/>
+          </a:xfrm>
+        </p:spPr>
+      </p:pic>
     </p:spTree>
     <p:extLst>
       <p:ext uri="{BB962C8B-B14F-4D97-AF65-F5344CB8AC3E}">
-        <p14:creationId xmlns:p14="http://schemas.microsoft.com/office/powerpoint/2010/main" val="2230257474"/>
+        <p14:creationId xmlns:p14="http://schemas.microsoft.com/office/powerpoint/2010/main" val="638361866"/>
       </p:ext>
     </p:extLst>
   </p:cSld>
@@ -15523,18 +15551,12 @@
         </p:nvSpPr>
         <p:spPr/>
         <p:txBody>
-          <a:bodyPr>
-            <a:normAutofit fontScale="90000"/>
-          </a:bodyPr>
+          <a:bodyPr/>
           <a:lstStyle/>
           <a:p>
             <a:r>
-              <a:rPr lang="en-US" dirty="0"/>
-              <a:t>Preliminary Results and </a:t>
-            </a:r>
-            <a:r>
               <a:rPr lang="en-US" dirty="0" smtClean="0"/>
-              <a:t>Discussion</a:t>
+              <a:t>Approach 2: Retrieval</a:t>
             </a:r>
             <a:endParaRPr lang="en-US" dirty="0"/>
           </a:p>
@@ -15555,14 +15577,40 @@
           <a:bodyPr/>
           <a:lstStyle/>
           <a:p>
-            <a:endParaRPr lang="en-US"/>
+            <a:r>
+              <a:rPr lang="en-US" dirty="0" smtClean="0"/>
+              <a:t>Same initial process as the embedding section.</a:t>
+            </a:r>
+          </a:p>
+          <a:p>
+            <a:r>
+              <a:rPr lang="en-US" dirty="0" smtClean="0"/>
+              <a:t>Iterate through the Y channel of the carrier frame and extract the last n-bits from the current value.</a:t>
+            </a:r>
+          </a:p>
+          <a:p>
+            <a:r>
+              <a:rPr lang="en-US" dirty="0" smtClean="0"/>
+              <a:t>Every pair that is extracted is joined to form an 8-bit pixel, which will be used to form the seed frame.</a:t>
+            </a:r>
+          </a:p>
+          <a:p>
+            <a:r>
+              <a:rPr lang="en-US" dirty="0" smtClean="0"/>
+              <a:t>Once every pixel is reconstructed a frame has been extracted and can </a:t>
+            </a:r>
+            <a:r>
+              <a:rPr lang="en-US" smtClean="0"/>
+              <a:t>be saved.</a:t>
+            </a:r>
+            <a:endParaRPr lang="en-US" dirty="0"/>
           </a:p>
         </p:txBody>
       </p:sp>
     </p:spTree>
     <p:extLst>
       <p:ext uri="{BB962C8B-B14F-4D97-AF65-F5344CB8AC3E}">
-        <p14:creationId xmlns:p14="http://schemas.microsoft.com/office/powerpoint/2010/main" val="115755033"/>
+        <p14:creationId xmlns:p14="http://schemas.microsoft.com/office/powerpoint/2010/main" val="2137990177"/>
       </p:ext>
     </p:extLst>
   </p:cSld>
@@ -15620,76 +15668,50 @@
         </p:nvSpPr>
         <p:spPr/>
         <p:txBody>
-          <a:bodyPr>
-            <a:normAutofit/>
-          </a:bodyPr>
+          <a:bodyPr/>
           <a:lstStyle/>
           <a:p>
             <a:r>
-              <a:rPr lang="en-US" dirty="0"/>
-              <a:t>Remaining </a:t>
-            </a:r>
-            <a:r>
               <a:rPr lang="en-US" dirty="0" smtClean="0"/>
-              <a:t>Work</a:t>
+              <a:t>Approach 2: Retrieval</a:t>
             </a:r>
             <a:endParaRPr lang="en-US" dirty="0"/>
           </a:p>
         </p:txBody>
       </p:sp>
-      <p:sp>
-        <p:nvSpPr>
-          <p:cNvPr id="3" name="Content Placeholder 2"/>
-          <p:cNvSpPr>
-            <a:spLocks noGrp="1"/>
-          </p:cNvSpPr>
+      <p:pic>
+        <p:nvPicPr>
+          <p:cNvPr id="7" name="Content Placeholder 6"/>
+          <p:cNvPicPr>
+            <a:picLocks noGrp="1" noChangeAspect="1"/>
+          </p:cNvPicPr>
           <p:nvPr>
             <p:ph idx="1"/>
           </p:nvPr>
-        </p:nvSpPr>
-        <p:spPr/>
-        <p:txBody>
-          <a:bodyPr/>
-          <a:lstStyle/>
-          <a:p>
-            <a:r>
-              <a:rPr lang="en-US" dirty="0" smtClean="0"/>
-              <a:t>Refactor and Clean-up MATLAB Code</a:t>
-            </a:r>
-          </a:p>
-          <a:p>
-            <a:pPr lvl="1"/>
-            <a:r>
-              <a:rPr lang="en-US" dirty="0" smtClean="0"/>
-              <a:t>Consistent variable names and proper comments.</a:t>
-            </a:r>
-          </a:p>
-          <a:p>
-            <a:pPr lvl="1"/>
-            <a:r>
-              <a:rPr lang="en-US" dirty="0" smtClean="0"/>
-              <a:t>Create functions of re-usable components.</a:t>
-            </a:r>
-          </a:p>
-          <a:p>
-            <a:r>
-              <a:rPr lang="en-US" dirty="0" smtClean="0"/>
-              <a:t>Report</a:t>
-            </a:r>
-          </a:p>
-          <a:p>
-            <a:r>
-              <a:rPr lang="en-US" dirty="0" smtClean="0"/>
-              <a:t>If time allows, encode one seed frame to many carrier frames for better output quality.</a:t>
-            </a:r>
-            <a:endParaRPr lang="en-US" dirty="0"/>
-          </a:p>
-        </p:txBody>
-      </p:sp>
+        </p:nvPicPr>
+        <p:blipFill>
+          <a:blip r:embed="rId2">
+            <a:extLst>
+              <a:ext uri="{28A0092B-C50C-407E-A947-70E740481C1C}">
+                <a14:useLocalDpi xmlns:a14="http://schemas.microsoft.com/office/drawing/2010/main" val="0"/>
+              </a:ext>
+            </a:extLst>
+          </a:blip>
+          <a:stretch>
+            <a:fillRect/>
+          </a:stretch>
+        </p:blipFill>
+        <p:spPr>
+          <a:xfrm>
+            <a:off x="0" y="1143000"/>
+            <a:ext cx="9112292" cy="5429092"/>
+          </a:xfrm>
+        </p:spPr>
+      </p:pic>
     </p:spTree>
     <p:extLst>
       <p:ext uri="{BB962C8B-B14F-4D97-AF65-F5344CB8AC3E}">
-        <p14:creationId xmlns:p14="http://schemas.microsoft.com/office/powerpoint/2010/main" val="1236514637"/>
+        <p14:creationId xmlns:p14="http://schemas.microsoft.com/office/powerpoint/2010/main" val="4119166711"/>
       </p:ext>
     </p:extLst>
   </p:cSld>
@@ -15708,13 +15730,6 @@
       </p:transition>
     </mc:Fallback>
   </mc:AlternateContent>
-  <p:timing>
-    <p:tnLst>
-      <p:par>
-        <p:cTn id="1" dur="indefinite" restart="never" nodeType="tmRoot"/>
-      </p:par>
-    </p:tnLst>
-  </p:timing>
 </p:sld>
 </file>
 
@@ -15747,12 +15762,183 @@
         </p:nvSpPr>
         <p:spPr/>
         <p:txBody>
-          <a:bodyPr/>
+          <a:bodyPr>
+            <a:normAutofit fontScale="90000"/>
+          </a:bodyPr>
           <a:lstStyle/>
           <a:p>
             <a:r>
+              <a:rPr lang="en-US" dirty="0"/>
+              <a:t>Preliminary Results and </a:t>
+            </a:r>
+            <a:r>
               <a:rPr lang="en-US" dirty="0" smtClean="0"/>
-              <a:t>Concluding Statement</a:t>
+              <a:t>Discussion</a:t>
+            </a:r>
+            <a:br>
+              <a:rPr lang="en-US" dirty="0" smtClean="0"/>
+            </a:br>
+            <a:r>
+              <a:rPr lang="en-US" sz="2200" dirty="0" smtClean="0"/>
+              <a:t>Approach </a:t>
+            </a:r>
+            <a:r>
+              <a:rPr lang="en-US" sz="2200" dirty="0" err="1" smtClean="0"/>
+              <a:t>i</a:t>
+            </a:r>
+            <a:endParaRPr lang="en-US" sz="2700" dirty="0"/>
+          </a:p>
+        </p:txBody>
+      </p:sp>
+      <p:pic>
+        <p:nvPicPr>
+          <p:cNvPr id="1026" name="Picture 2" descr="C:\Users\Aaron\Dropbox\CSE509\Project\host.bmp"/>
+          <p:cNvPicPr>
+            <a:picLocks noChangeAspect="1" noChangeArrowheads="1"/>
+          </p:cNvPicPr>
+          <p:nvPr/>
+        </p:nvPicPr>
+        <p:blipFill>
+          <a:blip r:embed="rId2">
+            <a:extLst>
+              <a:ext uri="{28A0092B-C50C-407E-A947-70E740481C1C}">
+                <a14:useLocalDpi xmlns:a14="http://schemas.microsoft.com/office/drawing/2010/main" val="0"/>
+              </a:ext>
+            </a:extLst>
+          </a:blip>
+          <a:srcRect/>
+          <a:stretch>
+            <a:fillRect/>
+          </a:stretch>
+        </p:blipFill>
+        <p:spPr bwMode="auto">
+          <a:xfrm>
+            <a:off x="152400" y="1981200"/>
+            <a:ext cx="3352800" cy="2743200"/>
+          </a:xfrm>
+          <a:prstGeom prst="rect">
+            <a:avLst/>
+          </a:prstGeom>
+          <a:noFill/>
+          <a:extLst>
+            <a:ext uri="{909E8E84-426E-40DD-AFC4-6F175D3DCCD1}">
+              <a14:hiddenFill xmlns:a14="http://schemas.microsoft.com/office/drawing/2010/main">
+                <a:solidFill>
+                  <a:srgbClr val="FFFFFF"/>
+                </a:solidFill>
+              </a14:hiddenFill>
+            </a:ext>
+          </a:extLst>
+        </p:spPr>
+      </p:pic>
+      <p:pic>
+        <p:nvPicPr>
+          <p:cNvPr id="1027" name="Picture 3" descr="C:\Users\Aaron\Dropbox\CSE509\Project\carrier.bmp"/>
+          <p:cNvPicPr>
+            <a:picLocks noChangeAspect="1" noChangeArrowheads="1"/>
+          </p:cNvPicPr>
+          <p:nvPr/>
+        </p:nvPicPr>
+        <p:blipFill>
+          <a:blip r:embed="rId3">
+            <a:extLst>
+              <a:ext uri="{28A0092B-C50C-407E-A947-70E740481C1C}">
+                <a14:useLocalDpi xmlns:a14="http://schemas.microsoft.com/office/drawing/2010/main" val="0"/>
+              </a:ext>
+            </a:extLst>
+          </a:blip>
+          <a:srcRect/>
+          <a:stretch>
+            <a:fillRect/>
+          </a:stretch>
+        </p:blipFill>
+        <p:spPr bwMode="auto">
+          <a:xfrm>
+            <a:off x="5638800" y="1981200"/>
+            <a:ext cx="3352800" cy="2743200"/>
+          </a:xfrm>
+          <a:prstGeom prst="rect">
+            <a:avLst/>
+          </a:prstGeom>
+          <a:noFill/>
+          <a:extLst>
+            <a:ext uri="{909E8E84-426E-40DD-AFC4-6F175D3DCCD1}">
+              <a14:hiddenFill xmlns:a14="http://schemas.microsoft.com/office/drawing/2010/main">
+                <a:solidFill>
+                  <a:srgbClr val="FFFFFF"/>
+                </a:solidFill>
+              </a14:hiddenFill>
+            </a:ext>
+          </a:extLst>
+        </p:spPr>
+      </p:pic>
+      <p:pic>
+        <p:nvPicPr>
+          <p:cNvPr id="1028" name="Picture 4" descr="C:\Users\Aaron\Dropbox\CSE509\Project\seed.bmp"/>
+          <p:cNvPicPr>
+            <a:picLocks noChangeAspect="1" noChangeArrowheads="1"/>
+          </p:cNvPicPr>
+          <p:nvPr/>
+        </p:nvPicPr>
+        <p:blipFill>
+          <a:blip r:embed="rId4">
+            <a:extLst>
+              <a:ext uri="{28A0092B-C50C-407E-A947-70E740481C1C}">
+                <a14:useLocalDpi xmlns:a14="http://schemas.microsoft.com/office/drawing/2010/main" val="0"/>
+              </a:ext>
+            </a:extLst>
+          </a:blip>
+          <a:srcRect/>
+          <a:stretch>
+            <a:fillRect/>
+          </a:stretch>
+        </p:blipFill>
+        <p:spPr bwMode="auto">
+          <a:xfrm>
+            <a:off x="1524000" y="5181600"/>
+            <a:ext cx="1676400" cy="1371600"/>
+          </a:xfrm>
+          <a:prstGeom prst="rect">
+            <a:avLst/>
+          </a:prstGeom>
+          <a:noFill/>
+          <a:extLst>
+            <a:ext uri="{909E8E84-426E-40DD-AFC4-6F175D3DCCD1}">
+              <a14:hiddenFill xmlns:a14="http://schemas.microsoft.com/office/drawing/2010/main">
+                <a:solidFill>
+                  <a:srgbClr val="FFFFFF"/>
+                </a:solidFill>
+              </a14:hiddenFill>
+            </a:ext>
+          </a:extLst>
+        </p:spPr>
+      </p:pic>
+      <p:sp>
+        <p:nvSpPr>
+          <p:cNvPr id="4" name="TextBox 3"/>
+          <p:cNvSpPr txBox="1"/>
+          <p:nvPr/>
+        </p:nvSpPr>
+        <p:spPr>
+          <a:xfrm>
+            <a:off x="2039836" y="1447800"/>
+            <a:ext cx="644728" cy="369332"/>
+          </a:xfrm>
+          <a:prstGeom prst="rect">
+            <a:avLst/>
+          </a:prstGeom>
+          <a:noFill/>
+        </p:spPr>
+        <p:txBody>
+          <a:bodyPr wrap="none" rtlCol="0">
+            <a:spAutoFit/>
+          </a:bodyPr>
+          <a:lstStyle/>
+          <a:p>
+            <a:pPr algn="ctr"/>
+            <a:r>
+              <a:rPr lang="en-US" dirty="0" smtClean="0"/>
+              <a:t>Host</a:t>
             </a:r>
             <a:endParaRPr lang="en-US" dirty="0"/>
           </a:p>
@@ -15760,107 +15946,1053 @@
       </p:sp>
       <p:sp>
         <p:nvSpPr>
-          <p:cNvPr id="3" name="Content Placeholder 2"/>
-          <p:cNvSpPr>
-            <a:spLocks noGrp="1"/>
-          </p:cNvSpPr>
-          <p:nvPr>
-            <p:ph idx="1"/>
-          </p:nvPr>
+          <p:cNvPr id="8" name="TextBox 7"/>
+          <p:cNvSpPr txBox="1"/>
+          <p:nvPr/>
         </p:nvSpPr>
         <p:spPr>
           <a:xfrm>
-            <a:off x="685800" y="1219200"/>
-            <a:ext cx="7772400" cy="4495799"/>
+            <a:off x="2047851" y="4739362"/>
+            <a:ext cx="628698" cy="369332"/>
           </a:xfrm>
+          <a:prstGeom prst="rect">
+            <a:avLst/>
+          </a:prstGeom>
+          <a:noFill/>
         </p:spPr>
         <p:txBody>
-          <a:bodyPr/>
+          <a:bodyPr wrap="none" rtlCol="0">
+            <a:spAutoFit/>
+          </a:bodyPr>
           <a:lstStyle/>
           <a:p>
+            <a:pPr algn="ctr"/>
             <a:r>
               <a:rPr lang="en-US" dirty="0" smtClean="0"/>
-              <a:t>Ambitious initial requirements</a:t>
-            </a:r>
-          </a:p>
-          <a:p>
-            <a:pPr lvl="1"/>
+              <a:t>Seed</a:t>
+            </a:r>
+            <a:endParaRPr lang="en-US" dirty="0"/>
+          </a:p>
+        </p:txBody>
+      </p:sp>
+      <p:sp>
+        <p:nvSpPr>
+          <p:cNvPr id="9" name="TextBox 8"/>
+          <p:cNvSpPr txBox="1"/>
+          <p:nvPr/>
+        </p:nvSpPr>
+        <p:spPr>
+          <a:xfrm>
+            <a:off x="6341936" y="1447800"/>
+            <a:ext cx="879729" cy="369332"/>
+          </a:xfrm>
+          <a:prstGeom prst="rect">
+            <a:avLst/>
+          </a:prstGeom>
+          <a:noFill/>
+        </p:spPr>
+        <p:txBody>
+          <a:bodyPr wrap="none" rtlCol="0">
+            <a:spAutoFit/>
+          </a:bodyPr>
+          <a:lstStyle/>
+          <a:p>
+            <a:pPr algn="ctr"/>
             <a:r>
               <a:rPr lang="en-US" dirty="0" smtClean="0"/>
-              <a:t>Can’t keep retain original quality of either frame without giving up something.</a:t>
-            </a:r>
-          </a:p>
-          <a:p>
+              <a:t>Carrier</a:t>
+            </a:r>
+            <a:endParaRPr lang="en-US" dirty="0"/>
+          </a:p>
+        </p:txBody>
+      </p:sp>
+      <p:pic>
+        <p:nvPicPr>
+          <p:cNvPr id="1029" name="Picture 5" descr="C:\Users\Aaron\Dropbox\CSE509\Project\e_seed.bmp"/>
+          <p:cNvPicPr>
+            <a:picLocks noChangeAspect="1" noChangeArrowheads="1"/>
+          </p:cNvPicPr>
+          <p:nvPr/>
+        </p:nvPicPr>
+        <p:blipFill>
+          <a:blip r:embed="rId5">
+            <a:extLst>
+              <a:ext uri="{28A0092B-C50C-407E-A947-70E740481C1C}">
+                <a14:useLocalDpi xmlns:a14="http://schemas.microsoft.com/office/drawing/2010/main" val="0"/>
+              </a:ext>
+            </a:extLst>
+          </a:blip>
+          <a:srcRect/>
+          <a:stretch>
+            <a:fillRect/>
+          </a:stretch>
+        </p:blipFill>
+        <p:spPr bwMode="auto">
+          <a:xfrm>
+            <a:off x="5943600" y="5181600"/>
+            <a:ext cx="1676400" cy="1371600"/>
+          </a:xfrm>
+          <a:prstGeom prst="rect">
+            <a:avLst/>
+          </a:prstGeom>
+          <a:noFill/>
+          <a:extLst>
+            <a:ext uri="{909E8E84-426E-40DD-AFC4-6F175D3DCCD1}">
+              <a14:hiddenFill xmlns:a14="http://schemas.microsoft.com/office/drawing/2010/main">
+                <a:solidFill>
+                  <a:srgbClr val="FFFFFF"/>
+                </a:solidFill>
+              </a14:hiddenFill>
+            </a:ext>
+          </a:extLst>
+        </p:spPr>
+      </p:pic>
+      <p:sp>
+        <p:nvSpPr>
+          <p:cNvPr id="11" name="TextBox 10"/>
+          <p:cNvSpPr txBox="1"/>
+          <p:nvPr/>
+        </p:nvSpPr>
+        <p:spPr>
+          <a:xfrm>
+            <a:off x="5984146" y="4739362"/>
+            <a:ext cx="1595310" cy="369332"/>
+          </a:xfrm>
+          <a:prstGeom prst="rect">
+            <a:avLst/>
+          </a:prstGeom>
+          <a:noFill/>
+        </p:spPr>
+        <p:txBody>
+          <a:bodyPr wrap="none" rtlCol="0">
+            <a:spAutoFit/>
+          </a:bodyPr>
+          <a:lstStyle/>
+          <a:p>
+            <a:pPr algn="ctr"/>
             <a:r>
               <a:rPr lang="en-US" dirty="0" smtClean="0"/>
-              <a:t>Space constraints</a:t>
-            </a:r>
-          </a:p>
-          <a:p>
-            <a:pPr lvl="1"/>
-            <a:r>
-              <a:rPr lang="en-US" dirty="0" smtClean="0"/>
-              <a:t>There’s only so many bits you can hijack before it becomes obvious that something has been done to the image.</a:t>
-            </a:r>
-          </a:p>
-          <a:p>
-            <a:r>
-              <a:rPr lang="en-US" dirty="0" smtClean="0"/>
-              <a:t>Transformation Side Effects</a:t>
-            </a:r>
-          </a:p>
-          <a:p>
-            <a:pPr lvl="1"/>
-            <a:r>
-              <a:rPr lang="en-US" dirty="0" smtClean="0"/>
-              <a:t>There was a lot of matrix operations going on (i.e. </a:t>
-            </a:r>
-            <a:r>
-              <a:rPr lang="en-US" dirty="0" err="1" smtClean="0"/>
-              <a:t>Freq</a:t>
-            </a:r>
-            <a:r>
-              <a:rPr lang="en-US" dirty="0" smtClean="0"/>
-              <a:t> -&gt; Spatial ) and round off errors caused unexpected results.</a:t>
-            </a:r>
-          </a:p>
-          <a:p>
-            <a:r>
-              <a:rPr lang="en-US" dirty="0" smtClean="0"/>
-              <a:t>QCIF and CIF</a:t>
-            </a:r>
-          </a:p>
-          <a:p>
-            <a:pPr lvl="1"/>
-            <a:r>
-              <a:rPr lang="en-US" dirty="0" smtClean="0"/>
-              <a:t>It was a good choice to choose a narrow field since QCIF and CIF are related with respect to the ratio in sizes.</a:t>
-            </a:r>
-          </a:p>
-          <a:p>
-            <a:r>
-              <a:rPr lang="en-US" dirty="0" smtClean="0"/>
-              <a:t>Embedding in UV Channels</a:t>
-            </a:r>
-          </a:p>
-          <a:p>
-            <a:pPr lvl="1"/>
-            <a:r>
-              <a:rPr lang="en-US" dirty="0" smtClean="0"/>
-              <a:t>Not possible since 4:2:0, under samples ch</a:t>
-            </a:r>
-            <a:r>
-              <a:rPr lang="en-US" dirty="0" smtClean="0"/>
-              <a:t>annels so data got lost.</a:t>
-            </a:r>
-            <a:endParaRPr lang="en-US" dirty="0" smtClean="0"/>
+              <a:t>Extracted Seed</a:t>
+            </a:r>
+            <a:endParaRPr lang="en-US" dirty="0"/>
+          </a:p>
+        </p:txBody>
+      </p:sp>
+      <p:cxnSp>
+        <p:nvCxnSpPr>
+          <p:cNvPr id="6" name="Straight Arrow Connector 5"/>
+          <p:cNvCxnSpPr>
+            <a:stCxn id="1026" idx="3"/>
+            <a:endCxn id="1027" idx="1"/>
+          </p:cNvCxnSpPr>
+          <p:nvPr/>
+        </p:nvCxnSpPr>
+        <p:spPr>
+          <a:xfrm>
+            <a:off x="3505200" y="3352800"/>
+            <a:ext cx="2133600" cy="0"/>
+          </a:xfrm>
+          <a:prstGeom prst="straightConnector1">
+            <a:avLst/>
+          </a:prstGeom>
+          <a:ln>
+            <a:solidFill>
+              <a:schemeClr val="accent1"/>
+            </a:solidFill>
+            <a:tailEnd type="arrow"/>
+          </a:ln>
+        </p:spPr>
+        <p:style>
+          <a:lnRef idx="1">
+            <a:schemeClr val="accent1"/>
+          </a:lnRef>
+          <a:fillRef idx="0">
+            <a:schemeClr val="accent1"/>
+          </a:fillRef>
+          <a:effectRef idx="0">
+            <a:schemeClr val="accent1"/>
+          </a:effectRef>
+          <a:fontRef idx="minor">
+            <a:schemeClr val="tx1"/>
+          </a:fontRef>
+        </p:style>
+      </p:cxnSp>
+      <p:cxnSp>
+        <p:nvCxnSpPr>
+          <p:cNvPr id="13" name="Straight Arrow Connector 12"/>
+          <p:cNvCxnSpPr>
+            <a:stCxn id="1028" idx="3"/>
+            <a:endCxn id="1029" idx="1"/>
+          </p:cNvCxnSpPr>
+          <p:nvPr/>
+        </p:nvCxnSpPr>
+        <p:spPr>
+          <a:xfrm>
+            <a:off x="3200400" y="5867400"/>
+            <a:ext cx="2743200" cy="0"/>
+          </a:xfrm>
+          <a:prstGeom prst="straightConnector1">
+            <a:avLst/>
+          </a:prstGeom>
+          <a:ln>
+            <a:solidFill>
+              <a:schemeClr val="accent1"/>
+            </a:solidFill>
+            <a:tailEnd type="arrow"/>
+          </a:ln>
+        </p:spPr>
+        <p:style>
+          <a:lnRef idx="1">
+            <a:schemeClr val="accent1"/>
+          </a:lnRef>
+          <a:fillRef idx="0">
+            <a:schemeClr val="accent1"/>
+          </a:fillRef>
+          <a:effectRef idx="0">
+            <a:schemeClr val="accent1"/>
+          </a:effectRef>
+          <a:fontRef idx="minor">
+            <a:schemeClr val="tx1"/>
+          </a:fontRef>
+        </p:style>
+      </p:cxnSp>
+      <p:sp>
+        <p:nvSpPr>
+          <p:cNvPr id="14" name="TextBox 13"/>
+          <p:cNvSpPr txBox="1"/>
+          <p:nvPr/>
+        </p:nvSpPr>
+        <p:spPr>
+          <a:xfrm>
+            <a:off x="3390900" y="5181600"/>
+            <a:ext cx="2362199" cy="523220"/>
+          </a:xfrm>
+          <a:prstGeom prst="rect">
+            <a:avLst/>
+          </a:prstGeom>
+          <a:noFill/>
+        </p:spPr>
+        <p:txBody>
+          <a:bodyPr wrap="square" rtlCol="0">
+            <a:spAutoFit/>
+          </a:bodyPr>
+          <a:lstStyle/>
+          <a:p>
+            <a:pPr algn="ctr"/>
+            <a:r>
+              <a:rPr lang="en-US" sz="1400" dirty="0" smtClean="0"/>
+              <a:t>PSNR: 34.65 dB </a:t>
+            </a:r>
+          </a:p>
+          <a:p>
+            <a:pPr algn="ctr"/>
+            <a:r>
+              <a:rPr lang="en-US" sz="1400" dirty="0" smtClean="0"/>
+              <a:t>SSIM: .7751</a:t>
+            </a:r>
+            <a:endParaRPr lang="en-US" sz="1400" dirty="0"/>
+          </a:p>
+        </p:txBody>
+      </p:sp>
+      <p:sp>
+        <p:nvSpPr>
+          <p:cNvPr id="19" name="TextBox 18"/>
+          <p:cNvSpPr txBox="1"/>
+          <p:nvPr/>
+        </p:nvSpPr>
+        <p:spPr>
+          <a:xfrm>
+            <a:off x="3912364" y="1981200"/>
+            <a:ext cx="1319272" cy="523220"/>
+          </a:xfrm>
+          <a:prstGeom prst="rect">
+            <a:avLst/>
+          </a:prstGeom>
+          <a:noFill/>
+        </p:spPr>
+        <p:txBody>
+          <a:bodyPr wrap="none" rtlCol="0">
+            <a:spAutoFit/>
+          </a:bodyPr>
+          <a:lstStyle/>
+          <a:p>
+            <a:pPr algn="ctr"/>
+            <a:r>
+              <a:rPr lang="en-US" sz="1400" dirty="0" smtClean="0"/>
+              <a:t>PSNR: 34.47 dB</a:t>
+            </a:r>
+          </a:p>
+          <a:p>
+            <a:pPr algn="ctr"/>
+            <a:r>
+              <a:rPr lang="en-US" sz="1400" dirty="0" smtClean="0"/>
+              <a:t>SSIM: .8443</a:t>
+            </a:r>
+            <a:endParaRPr lang="en-US" sz="1400" dirty="0"/>
           </a:p>
         </p:txBody>
       </p:sp>
     </p:spTree>
     <p:extLst>
       <p:ext uri="{BB962C8B-B14F-4D97-AF65-F5344CB8AC3E}">
-        <p14:creationId xmlns:p14="http://schemas.microsoft.com/office/powerpoint/2010/main" val="3886847548"/>
+        <p14:creationId xmlns:p14="http://schemas.microsoft.com/office/powerpoint/2010/main" val="115755033"/>
+      </p:ext>
+    </p:extLst>
+  </p:cSld>
+  <p:clrMapOvr>
+    <a:masterClrMapping/>
+  </p:clrMapOvr>
+  <mc:AlternateContent xmlns:mc="http://schemas.openxmlformats.org/markup-compatibility/2006" xmlns:p14="http://schemas.microsoft.com/office/powerpoint/2010/main">
+    <mc:Choice Requires="p14">
+      <p:transition spd="slow" p14:dur="800">
+        <p14:flythrough/>
+      </p:transition>
+    </mc:Choice>
+    <mc:Fallback xmlns="">
+      <p:transition spd="slow">
+        <p:fade/>
+      </p:transition>
+    </mc:Fallback>
+  </mc:AlternateContent>
+  <p:timing>
+    <p:tnLst>
+      <p:par>
+        <p:cTn id="1" dur="indefinite" restart="never" nodeType="tmRoot"/>
+      </p:par>
+    </p:tnLst>
+  </p:timing>
+</p:sld>
+</file>
+
+<file path=ppt/slides/slide18.xml><?xml version="1.0" encoding="utf-8"?>
+<p:sld xmlns:a="http://schemas.openxmlformats.org/drawingml/2006/main" xmlns:r="http://schemas.openxmlformats.org/officeDocument/2006/relationships" xmlns:p="http://schemas.openxmlformats.org/presentationml/2006/main">
+  <p:cSld>
+    <p:spTree>
+      <p:nvGrpSpPr>
+        <p:cNvPr id="1" name=""/>
+        <p:cNvGrpSpPr/>
+        <p:nvPr/>
+      </p:nvGrpSpPr>
+      <p:grpSpPr>
+        <a:xfrm>
+          <a:off x="0" y="0"/>
+          <a:ext cx="0" cy="0"/>
+          <a:chOff x="0" y="0"/>
+          <a:chExt cx="0" cy="0"/>
+        </a:xfrm>
+      </p:grpSpPr>
+      <p:sp>
+        <p:nvSpPr>
+          <p:cNvPr id="15" name="Rectangle 14"/>
+          <p:cNvSpPr/>
+          <p:nvPr/>
+        </p:nvSpPr>
+        <p:spPr>
+          <a:xfrm>
+            <a:off x="7348993" y="1245995"/>
+            <a:ext cx="1524000" cy="1501391"/>
+          </a:xfrm>
+          <a:prstGeom prst="rect">
+            <a:avLst/>
+          </a:prstGeom>
+          <a:solidFill>
+            <a:schemeClr val="tx1"/>
+          </a:solidFill>
+          <a:ln>
+            <a:noFill/>
+          </a:ln>
+        </p:spPr>
+        <p:style>
+          <a:lnRef idx="2">
+            <a:schemeClr val="accent1">
+              <a:shade val="50000"/>
+            </a:schemeClr>
+          </a:lnRef>
+          <a:fillRef idx="1">
+            <a:schemeClr val="accent1"/>
+          </a:fillRef>
+          <a:effectRef idx="0">
+            <a:schemeClr val="accent1"/>
+          </a:effectRef>
+          <a:fontRef idx="minor">
+            <a:schemeClr val="lt1"/>
+          </a:fontRef>
+        </p:style>
+        <p:txBody>
+          <a:bodyPr rtlCol="0" anchor="ctr"/>
+          <a:lstStyle/>
+          <a:p>
+            <a:pPr algn="ctr"/>
+            <a:endParaRPr lang="en-US"/>
+          </a:p>
+        </p:txBody>
+      </p:sp>
+      <p:sp>
+        <p:nvSpPr>
+          <p:cNvPr id="2" name="Title 1"/>
+          <p:cNvSpPr>
+            <a:spLocks noGrp="1"/>
+          </p:cNvSpPr>
+          <p:nvPr>
+            <p:ph type="title"/>
+          </p:nvPr>
+        </p:nvSpPr>
+        <p:spPr/>
+        <p:txBody>
+          <a:bodyPr>
+            <a:normAutofit fontScale="90000"/>
+          </a:bodyPr>
+          <a:lstStyle/>
+          <a:p>
+            <a:r>
+              <a:rPr lang="en-US" dirty="0"/>
+              <a:t>Preliminary Results and </a:t>
+            </a:r>
+            <a:r>
+              <a:rPr lang="en-US" dirty="0" smtClean="0"/>
+              <a:t>Discussion</a:t>
+            </a:r>
+            <a:br>
+              <a:rPr lang="en-US" dirty="0" smtClean="0"/>
+            </a:br>
+            <a:r>
+              <a:rPr lang="en-US" sz="2200" dirty="0" smtClean="0"/>
+              <a:t>Approach </a:t>
+            </a:r>
+            <a:r>
+              <a:rPr lang="en-US" sz="2200" dirty="0" err="1" smtClean="0"/>
+              <a:t>i</a:t>
+            </a:r>
+            <a:endParaRPr lang="en-US" sz="2700" dirty="0"/>
+          </a:p>
+        </p:txBody>
+      </p:sp>
+      <p:pic>
+        <p:nvPicPr>
+          <p:cNvPr id="1027" name="Picture 3" descr="C:\Users\Aaron\Dropbox\CSE509\Project\carrier.bmp"/>
+          <p:cNvPicPr>
+            <a:picLocks noChangeAspect="1" noChangeArrowheads="1"/>
+          </p:cNvPicPr>
+          <p:nvPr/>
+        </p:nvPicPr>
+        <p:blipFill>
+          <a:blip r:embed="rId2">
+            <a:extLst>
+              <a:ext uri="{28A0092B-C50C-407E-A947-70E740481C1C}">
+                <a14:useLocalDpi xmlns:a14="http://schemas.microsoft.com/office/drawing/2010/main" val="0"/>
+              </a:ext>
+            </a:extLst>
+          </a:blip>
+          <a:srcRect/>
+          <a:stretch>
+            <a:fillRect/>
+          </a:stretch>
+        </p:blipFill>
+        <p:spPr bwMode="auto">
+          <a:xfrm>
+            <a:off x="228600" y="1272791"/>
+            <a:ext cx="6705600" cy="5486400"/>
+          </a:xfrm>
+          <a:prstGeom prst="rect">
+            <a:avLst/>
+          </a:prstGeom>
+          <a:noFill/>
+          <a:extLst>
+            <a:ext uri="{909E8E84-426E-40DD-AFC4-6F175D3DCCD1}">
+              <a14:hiddenFill xmlns:a14="http://schemas.microsoft.com/office/drawing/2010/main">
+                <a:solidFill>
+                  <a:srgbClr val="FFFFFF"/>
+                </a:solidFill>
+              </a14:hiddenFill>
+            </a:ext>
+          </a:extLst>
+        </p:spPr>
+      </p:pic>
+      <p:pic>
+        <p:nvPicPr>
+          <p:cNvPr id="3" name="Picture 3"/>
+          <p:cNvPicPr>
+            <a:picLocks noChangeAspect="1" noChangeArrowheads="1"/>
+          </p:cNvPicPr>
+          <p:nvPr/>
+        </p:nvPicPr>
+        <p:blipFill>
+          <a:blip r:embed="rId3">
+            <a:extLst>
+              <a:ext uri="{28A0092B-C50C-407E-A947-70E740481C1C}">
+                <a14:useLocalDpi xmlns:a14="http://schemas.microsoft.com/office/drawing/2010/main" val="0"/>
+              </a:ext>
+            </a:extLst>
+          </a:blip>
+          <a:srcRect/>
+          <a:stretch>
+            <a:fillRect/>
+          </a:stretch>
+        </p:blipFill>
+        <p:spPr bwMode="auto">
+          <a:xfrm>
+            <a:off x="7391400" y="1272791"/>
+            <a:ext cx="1447800" cy="1447800"/>
+          </a:xfrm>
+          <a:prstGeom prst="rect">
+            <a:avLst/>
+          </a:prstGeom>
+          <a:noFill/>
+          <a:ln>
+            <a:noFill/>
+          </a:ln>
+          <a:effectLst/>
+          <a:extLst>
+            <a:ext uri="{909E8E84-426E-40DD-AFC4-6F175D3DCCD1}">
+              <a14:hiddenFill xmlns:a14="http://schemas.microsoft.com/office/drawing/2010/main">
+                <a:solidFill>
+                  <a:schemeClr val="accent1"/>
+                </a:solidFill>
+              </a14:hiddenFill>
+            </a:ext>
+            <a:ext uri="{91240B29-F687-4F45-9708-019B960494DF}">
+              <a14:hiddenLine xmlns:a14="http://schemas.microsoft.com/office/drawing/2010/main" w="9525">
+                <a:solidFill>
+                  <a:schemeClr val="tx1"/>
+                </a:solidFill>
+                <a:miter lim="800000"/>
+                <a:headEnd/>
+                <a:tailEnd/>
+              </a14:hiddenLine>
+            </a:ext>
+            <a:ext uri="{AF507438-7753-43E0-B8FC-AC1667EBCBE1}">
+              <a14:hiddenEffects xmlns:a14="http://schemas.microsoft.com/office/drawing/2010/main">
+                <a:effectLst>
+                  <a:outerShdw dist="35921" dir="2700000" algn="ctr" rotWithShape="0">
+                    <a:schemeClr val="bg2"/>
+                  </a:outerShdw>
+                </a:effectLst>
+              </a14:hiddenEffects>
+            </a:ext>
+          </a:extLst>
+        </p:spPr>
+      </p:pic>
+      <p:cxnSp>
+        <p:nvCxnSpPr>
+          <p:cNvPr id="8" name="Straight Arrow Connector 7"/>
+          <p:cNvCxnSpPr/>
+          <p:nvPr/>
+        </p:nvCxnSpPr>
+        <p:spPr>
+          <a:xfrm>
+            <a:off x="6629400" y="1272791"/>
+            <a:ext cx="762000" cy="0"/>
+          </a:xfrm>
+          <a:prstGeom prst="straightConnector1">
+            <a:avLst/>
+          </a:prstGeom>
+          <a:ln>
+            <a:tailEnd type="arrow"/>
+          </a:ln>
+        </p:spPr>
+        <p:style>
+          <a:lnRef idx="1">
+            <a:schemeClr val="accent1"/>
+          </a:lnRef>
+          <a:fillRef idx="0">
+            <a:schemeClr val="accent1"/>
+          </a:fillRef>
+          <a:effectRef idx="0">
+            <a:schemeClr val="accent1"/>
+          </a:effectRef>
+          <a:fontRef idx="minor">
+            <a:schemeClr val="tx1"/>
+          </a:fontRef>
+        </p:style>
+      </p:cxnSp>
+      <p:cxnSp>
+        <p:nvCxnSpPr>
+          <p:cNvPr id="10" name="Straight Arrow Connector 9"/>
+          <p:cNvCxnSpPr/>
+          <p:nvPr/>
+        </p:nvCxnSpPr>
+        <p:spPr>
+          <a:xfrm>
+            <a:off x="6629400" y="1524000"/>
+            <a:ext cx="762000" cy="1196591"/>
+          </a:xfrm>
+          <a:prstGeom prst="straightConnector1">
+            <a:avLst/>
+          </a:prstGeom>
+          <a:ln>
+            <a:tailEnd type="arrow"/>
+          </a:ln>
+        </p:spPr>
+        <p:style>
+          <a:lnRef idx="1">
+            <a:schemeClr val="accent1"/>
+          </a:lnRef>
+          <a:fillRef idx="0">
+            <a:schemeClr val="accent1"/>
+          </a:fillRef>
+          <a:effectRef idx="0">
+            <a:schemeClr val="accent1"/>
+          </a:effectRef>
+          <a:fontRef idx="minor">
+            <a:schemeClr val="tx1"/>
+          </a:fontRef>
+        </p:style>
+      </p:cxnSp>
+    </p:spTree>
+    <p:extLst>
+      <p:ext uri="{BB962C8B-B14F-4D97-AF65-F5344CB8AC3E}">
+        <p14:creationId xmlns:p14="http://schemas.microsoft.com/office/powerpoint/2010/main" val="54161158"/>
+      </p:ext>
+    </p:extLst>
+  </p:cSld>
+  <p:clrMapOvr>
+    <a:masterClrMapping/>
+  </p:clrMapOvr>
+  <mc:AlternateContent xmlns:mc="http://schemas.openxmlformats.org/markup-compatibility/2006" xmlns:p14="http://schemas.microsoft.com/office/powerpoint/2010/main">
+    <mc:Choice Requires="p14">
+      <p:transition spd="slow" p14:dur="800">
+        <p14:flythrough/>
+      </p:transition>
+    </mc:Choice>
+    <mc:Fallback xmlns="">
+      <p:transition spd="slow">
+        <p:fade/>
+      </p:transition>
+    </mc:Fallback>
+  </mc:AlternateContent>
+  <p:timing>
+    <p:tnLst>
+      <p:par>
+        <p:cTn id="1" dur="indefinite" restart="never" nodeType="tmRoot"/>
+      </p:par>
+    </p:tnLst>
+  </p:timing>
+</p:sld>
+</file>
+
+<file path=ppt/slides/slide19.xml><?xml version="1.0" encoding="utf-8"?>
+<p:sld xmlns:a="http://schemas.openxmlformats.org/drawingml/2006/main" xmlns:r="http://schemas.openxmlformats.org/officeDocument/2006/relationships" xmlns:p="http://schemas.openxmlformats.org/presentationml/2006/main">
+  <p:cSld>
+    <p:spTree>
+      <p:nvGrpSpPr>
+        <p:cNvPr id="1" name=""/>
+        <p:cNvGrpSpPr/>
+        <p:nvPr/>
+      </p:nvGrpSpPr>
+      <p:grpSpPr>
+        <a:xfrm>
+          <a:off x="0" y="0"/>
+          <a:ext cx="0" cy="0"/>
+          <a:chOff x="0" y="0"/>
+          <a:chExt cx="0" cy="0"/>
+        </a:xfrm>
+      </p:grpSpPr>
+      <p:sp>
+        <p:nvSpPr>
+          <p:cNvPr id="2" name="Title 1"/>
+          <p:cNvSpPr>
+            <a:spLocks noGrp="1"/>
+          </p:cNvSpPr>
+          <p:nvPr>
+            <p:ph type="title"/>
+          </p:nvPr>
+        </p:nvSpPr>
+        <p:spPr/>
+        <p:txBody>
+          <a:bodyPr>
+            <a:normAutofit fontScale="90000"/>
+          </a:bodyPr>
+          <a:lstStyle/>
+          <a:p>
+            <a:r>
+              <a:rPr lang="en-US" dirty="0"/>
+              <a:t>Preliminary Results and Discussion</a:t>
+            </a:r>
+            <a:br>
+              <a:rPr lang="en-US" dirty="0"/>
+            </a:br>
+            <a:r>
+              <a:rPr lang="en-US" sz="2200" dirty="0"/>
+              <a:t>Approach </a:t>
+            </a:r>
+            <a:r>
+              <a:rPr lang="en-US" sz="2200" dirty="0" smtClean="0"/>
+              <a:t>II</a:t>
+            </a:r>
+            <a:endParaRPr lang="en-US" dirty="0"/>
+          </a:p>
+        </p:txBody>
+      </p:sp>
+      <p:sp>
+        <p:nvSpPr>
+          <p:cNvPr id="4" name="Content Placeholder 3"/>
+          <p:cNvSpPr>
+            <a:spLocks noGrp="1"/>
+          </p:cNvSpPr>
+          <p:nvPr>
+            <p:ph sz="quarter" idx="13"/>
+          </p:nvPr>
+        </p:nvSpPr>
+        <p:spPr/>
+        <p:txBody>
+          <a:bodyPr/>
+          <a:lstStyle/>
+          <a:p>
+            <a:endParaRPr lang="en-US" dirty="0"/>
+          </a:p>
+        </p:txBody>
+      </p:sp>
+      <p:sp>
+        <p:nvSpPr>
+          <p:cNvPr id="5" name="Content Placeholder 4"/>
+          <p:cNvSpPr>
+            <a:spLocks noGrp="1"/>
+          </p:cNvSpPr>
+          <p:nvPr>
+            <p:ph sz="quarter" idx="14"/>
+          </p:nvPr>
+        </p:nvSpPr>
+        <p:spPr/>
+        <p:txBody>
+          <a:bodyPr/>
+          <a:lstStyle/>
+          <a:p>
+            <a:endParaRPr lang="en-US"/>
+          </a:p>
+        </p:txBody>
+      </p:sp>
+      <p:pic>
+        <p:nvPicPr>
+          <p:cNvPr id="3080" name="Picture 8"/>
+          <p:cNvPicPr>
+            <a:picLocks noChangeAspect="1" noChangeArrowheads="1"/>
+          </p:cNvPicPr>
+          <p:nvPr/>
+        </p:nvPicPr>
+        <p:blipFill>
+          <a:blip r:embed="rId2">
+            <a:extLst>
+              <a:ext uri="{28A0092B-C50C-407E-A947-70E740481C1C}">
+                <a14:useLocalDpi xmlns:a14="http://schemas.microsoft.com/office/drawing/2010/main" val="0"/>
+              </a:ext>
+            </a:extLst>
+          </a:blip>
+          <a:srcRect/>
+          <a:stretch>
+            <a:fillRect/>
+          </a:stretch>
+        </p:blipFill>
+        <p:spPr bwMode="auto">
+          <a:xfrm>
+            <a:off x="4800600" y="1523999"/>
+            <a:ext cx="3657600" cy="4958763"/>
+          </a:xfrm>
+          <a:prstGeom prst="rect">
+            <a:avLst/>
+          </a:prstGeom>
+          <a:noFill/>
+          <a:ln>
+            <a:noFill/>
+          </a:ln>
+          <a:effectLst/>
+          <a:extLst>
+            <a:ext uri="{909E8E84-426E-40DD-AFC4-6F175D3DCCD1}">
+              <a14:hiddenFill xmlns:a14="http://schemas.microsoft.com/office/drawing/2010/main">
+                <a:solidFill>
+                  <a:schemeClr val="accent1"/>
+                </a:solidFill>
+              </a14:hiddenFill>
+            </a:ext>
+            <a:ext uri="{91240B29-F687-4F45-9708-019B960494DF}">
+              <a14:hiddenLine xmlns:a14="http://schemas.microsoft.com/office/drawing/2010/main" w="9525">
+                <a:solidFill>
+                  <a:schemeClr val="tx1"/>
+                </a:solidFill>
+                <a:miter lim="800000"/>
+                <a:headEnd/>
+                <a:tailEnd/>
+              </a14:hiddenLine>
+            </a:ext>
+            <a:ext uri="{AF507438-7753-43E0-B8FC-AC1667EBCBE1}">
+              <a14:hiddenEffects xmlns:a14="http://schemas.microsoft.com/office/drawing/2010/main">
+                <a:effectLst>
+                  <a:outerShdw dist="35921" dir="2700000" algn="ctr" rotWithShape="0">
+                    <a:schemeClr val="bg2"/>
+                  </a:outerShdw>
+                </a:effectLst>
+              </a14:hiddenEffects>
+            </a:ext>
+          </a:extLst>
+        </p:spPr>
+      </p:pic>
+      <p:pic>
+        <p:nvPicPr>
+          <p:cNvPr id="3081" name="Picture 9"/>
+          <p:cNvPicPr>
+            <a:picLocks noChangeAspect="1" noChangeArrowheads="1"/>
+          </p:cNvPicPr>
+          <p:nvPr/>
+        </p:nvPicPr>
+        <p:blipFill>
+          <a:blip r:embed="rId3">
+            <a:extLst>
+              <a:ext uri="{28A0092B-C50C-407E-A947-70E740481C1C}">
+                <a14:useLocalDpi xmlns:a14="http://schemas.microsoft.com/office/drawing/2010/main" val="0"/>
+              </a:ext>
+            </a:extLst>
+          </a:blip>
+          <a:srcRect/>
+          <a:stretch>
+            <a:fillRect/>
+          </a:stretch>
+        </p:blipFill>
+        <p:spPr bwMode="auto">
+          <a:xfrm>
+            <a:off x="685799" y="1523998"/>
+            <a:ext cx="3670507" cy="4958763"/>
+          </a:xfrm>
+          <a:prstGeom prst="rect">
+            <a:avLst/>
+          </a:prstGeom>
+          <a:noFill/>
+          <a:ln>
+            <a:noFill/>
+          </a:ln>
+          <a:effectLst/>
+          <a:extLst>
+            <a:ext uri="{909E8E84-426E-40DD-AFC4-6F175D3DCCD1}">
+              <a14:hiddenFill xmlns:a14="http://schemas.microsoft.com/office/drawing/2010/main">
+                <a:solidFill>
+                  <a:schemeClr val="accent1"/>
+                </a:solidFill>
+              </a14:hiddenFill>
+            </a:ext>
+            <a:ext uri="{91240B29-F687-4F45-9708-019B960494DF}">
+              <a14:hiddenLine xmlns:a14="http://schemas.microsoft.com/office/drawing/2010/main" w="9525">
+                <a:solidFill>
+                  <a:schemeClr val="tx1"/>
+                </a:solidFill>
+                <a:miter lim="800000"/>
+                <a:headEnd/>
+                <a:tailEnd/>
+              </a14:hiddenLine>
+            </a:ext>
+            <a:ext uri="{AF507438-7753-43E0-B8FC-AC1667EBCBE1}">
+              <a14:hiddenEffects xmlns:a14="http://schemas.microsoft.com/office/drawing/2010/main">
+                <a:effectLst>
+                  <a:outerShdw dist="35921" dir="2700000" algn="ctr" rotWithShape="0">
+                    <a:schemeClr val="bg2"/>
+                  </a:outerShdw>
+                </a:effectLst>
+              </a14:hiddenEffects>
+            </a:ext>
+          </a:extLst>
+        </p:spPr>
+      </p:pic>
+      <p:sp>
+        <p:nvSpPr>
+          <p:cNvPr id="6" name="TextBox 5"/>
+          <p:cNvSpPr txBox="1"/>
+          <p:nvPr/>
+        </p:nvSpPr>
+        <p:spPr>
+          <a:xfrm>
+            <a:off x="2773822" y="3505200"/>
+            <a:ext cx="1604927" cy="523220"/>
+          </a:xfrm>
+          <a:prstGeom prst="rect">
+            <a:avLst/>
+          </a:prstGeom>
+          <a:noFill/>
+        </p:spPr>
+        <p:txBody>
+          <a:bodyPr wrap="none" rtlCol="0">
+            <a:spAutoFit/>
+          </a:bodyPr>
+          <a:lstStyle/>
+          <a:p>
+            <a:r>
+              <a:rPr lang="pt-BR" sz="1400" dirty="0">
+                <a:solidFill>
+                  <a:srgbClr val="FFFF00"/>
+                </a:solidFill>
+              </a:rPr>
+              <a:t>SSIM: 0.9987</a:t>
+            </a:r>
+          </a:p>
+          <a:p>
+            <a:r>
+              <a:rPr lang="pt-BR" sz="1400" dirty="0">
+                <a:solidFill>
+                  <a:srgbClr val="FFFF00"/>
+                </a:solidFill>
+              </a:rPr>
+              <a:t>PSNR: +55.94 dB</a:t>
+            </a:r>
+            <a:endParaRPr lang="en-US" sz="1400" dirty="0">
+              <a:solidFill>
+                <a:srgbClr val="FFFF00"/>
+              </a:solidFill>
+            </a:endParaRPr>
+          </a:p>
+        </p:txBody>
+      </p:sp>
+      <p:sp>
+        <p:nvSpPr>
+          <p:cNvPr id="15" name="TextBox 14"/>
+          <p:cNvSpPr txBox="1"/>
+          <p:nvPr/>
+        </p:nvSpPr>
+        <p:spPr>
+          <a:xfrm>
+            <a:off x="6875716" y="3505200"/>
+            <a:ext cx="1604927" cy="523220"/>
+          </a:xfrm>
+          <a:prstGeom prst="rect">
+            <a:avLst/>
+          </a:prstGeom>
+          <a:noFill/>
+        </p:spPr>
+        <p:txBody>
+          <a:bodyPr wrap="none" rtlCol="0">
+            <a:spAutoFit/>
+          </a:bodyPr>
+          <a:lstStyle/>
+          <a:p>
+            <a:r>
+              <a:rPr lang="pt-BR" sz="1400" dirty="0">
+                <a:solidFill>
+                  <a:srgbClr val="FFFF00"/>
+                </a:solidFill>
+              </a:rPr>
+              <a:t>SSIM: 0.9938</a:t>
+            </a:r>
+          </a:p>
+          <a:p>
+            <a:r>
+              <a:rPr lang="pt-BR" sz="1400" dirty="0">
+                <a:solidFill>
+                  <a:srgbClr val="FFFF00"/>
+                </a:solidFill>
+              </a:rPr>
+              <a:t>PSNR: +49.49 dB</a:t>
+            </a:r>
+            <a:endParaRPr lang="en-US" sz="1400" dirty="0">
+              <a:solidFill>
+                <a:srgbClr val="FFFF00"/>
+              </a:solidFill>
+            </a:endParaRPr>
+          </a:p>
+        </p:txBody>
+      </p:sp>
+      <p:sp>
+        <p:nvSpPr>
+          <p:cNvPr id="7" name="TextBox 6"/>
+          <p:cNvSpPr txBox="1"/>
+          <p:nvPr/>
+        </p:nvSpPr>
+        <p:spPr>
+          <a:xfrm>
+            <a:off x="3124200" y="1566085"/>
+            <a:ext cx="2039379" cy="461665"/>
+          </a:xfrm>
+          <a:prstGeom prst="rect">
+            <a:avLst/>
+          </a:prstGeom>
+          <a:noFill/>
+        </p:spPr>
+        <p:txBody>
+          <a:bodyPr wrap="square" rtlCol="0">
+            <a:spAutoFit/>
+          </a:bodyPr>
+          <a:lstStyle/>
+          <a:p>
+            <a:r>
+              <a:rPr lang="pt-BR" sz="1200" dirty="0">
+                <a:solidFill>
+                  <a:schemeClr val="bg1"/>
+                </a:solidFill>
+              </a:rPr>
+              <a:t>SSIM: 0.0576</a:t>
+            </a:r>
+          </a:p>
+          <a:p>
+            <a:r>
+              <a:rPr lang="pt-BR" sz="1200" dirty="0">
+                <a:solidFill>
+                  <a:schemeClr val="bg1"/>
+                </a:solidFill>
+              </a:rPr>
+              <a:t>PSNR: +24.55 </a:t>
+            </a:r>
+            <a:r>
+              <a:rPr lang="pt-BR" sz="1200" dirty="0" smtClean="0">
+                <a:solidFill>
+                  <a:schemeClr val="bg1"/>
+                </a:solidFill>
+              </a:rPr>
+              <a:t>dB</a:t>
+            </a:r>
+            <a:endParaRPr lang="en-US" sz="1200" dirty="0">
+              <a:solidFill>
+                <a:schemeClr val="bg1"/>
+              </a:solidFill>
+            </a:endParaRPr>
+          </a:p>
+        </p:txBody>
+      </p:sp>
+      <p:sp>
+        <p:nvSpPr>
+          <p:cNvPr id="21" name="TextBox 20"/>
+          <p:cNvSpPr txBox="1"/>
+          <p:nvPr/>
+        </p:nvSpPr>
+        <p:spPr>
+          <a:xfrm>
+            <a:off x="7250064" y="1561621"/>
+            <a:ext cx="2133600" cy="461665"/>
+          </a:xfrm>
+          <a:prstGeom prst="rect">
+            <a:avLst/>
+          </a:prstGeom>
+          <a:noFill/>
+        </p:spPr>
+        <p:txBody>
+          <a:bodyPr wrap="square" rtlCol="0">
+            <a:spAutoFit/>
+          </a:bodyPr>
+          <a:lstStyle/>
+          <a:p>
+            <a:r>
+              <a:rPr lang="pt-BR" sz="1200" dirty="0">
+                <a:solidFill>
+                  <a:schemeClr val="bg1"/>
+                </a:solidFill>
+              </a:rPr>
+              <a:t>SSIM: 0.1563</a:t>
+            </a:r>
+          </a:p>
+          <a:p>
+            <a:r>
+              <a:rPr lang="pt-BR" sz="1200" dirty="0">
+                <a:solidFill>
+                  <a:schemeClr val="bg1"/>
+                </a:solidFill>
+              </a:rPr>
+              <a:t>PSNR: +24.98 dB</a:t>
+            </a:r>
+            <a:endParaRPr lang="en-US" sz="1200" dirty="0">
+              <a:solidFill>
+                <a:schemeClr val="bg1"/>
+              </a:solidFill>
+            </a:endParaRPr>
+          </a:p>
+        </p:txBody>
+      </p:sp>
+    </p:spTree>
+    <p:extLst>
+      <p:ext uri="{BB962C8B-B14F-4D97-AF65-F5344CB8AC3E}">
+        <p14:creationId xmlns:p14="http://schemas.microsoft.com/office/powerpoint/2010/main" val="2834905124"/>
       </p:ext>
     </p:extLst>
   </p:cSld>
@@ -15942,7 +17074,7 @@
         <p:spPr/>
         <p:txBody>
           <a:bodyPr>
-            <a:normAutofit/>
+            <a:normAutofit fontScale="92500" lnSpcReduction="10000"/>
           </a:bodyPr>
           <a:lstStyle/>
           <a:p>
@@ -16004,6 +17136,28 @@
             <a:r>
               <a:rPr lang="en-US" dirty="0" smtClean="0"/>
               <a:t>e.g. Message tattooed on his/her head</a:t>
+            </a:r>
+          </a:p>
+          <a:p>
+            <a:pPr lvl="1"/>
+            <a:r>
+              <a:rPr lang="en-US" dirty="0" smtClean="0"/>
+              <a:t>Common Intermediate Format (CIF) – 352 pixels × 288 pixels</a:t>
+            </a:r>
+          </a:p>
+          <a:p>
+            <a:pPr lvl="1"/>
+            <a:r>
+              <a:rPr lang="en-US" dirty="0" smtClean="0"/>
+              <a:t>Quarter </a:t>
+            </a:r>
+            <a:r>
+              <a:rPr lang="en-US" dirty="0"/>
+              <a:t>Common Intermediate Format (QCIF) – 176 pixels </a:t>
+            </a:r>
+            <a:r>
+              <a:rPr lang="en-US" dirty="0" smtClean="0"/>
+              <a:t>× 144 pixels</a:t>
             </a:r>
           </a:p>
         </p:txBody>
@@ -16012,6 +17166,936 @@
     <p:extLst>
       <p:ext uri="{BB962C8B-B14F-4D97-AF65-F5344CB8AC3E}">
         <p14:creationId xmlns:p14="http://schemas.microsoft.com/office/powerpoint/2010/main" val="225335320"/>
+      </p:ext>
+    </p:extLst>
+  </p:cSld>
+  <p:clrMapOvr>
+    <a:masterClrMapping/>
+  </p:clrMapOvr>
+  <mc:AlternateContent xmlns:mc="http://schemas.openxmlformats.org/markup-compatibility/2006" xmlns:p14="http://schemas.microsoft.com/office/powerpoint/2010/main">
+    <mc:Choice Requires="p14">
+      <p:transition spd="slow" p14:dur="800">
+        <p14:flythrough/>
+      </p:transition>
+    </mc:Choice>
+    <mc:Fallback xmlns="">
+      <p:transition spd="slow">
+        <p:fade/>
+      </p:transition>
+    </mc:Fallback>
+  </mc:AlternateContent>
+  <p:timing>
+    <p:tnLst>
+      <p:par>
+        <p:cTn id="1" dur="indefinite" restart="never" nodeType="tmRoot"/>
+      </p:par>
+    </p:tnLst>
+  </p:timing>
+</p:sld>
+</file>
+
+<file path=ppt/slides/slide20.xml><?xml version="1.0" encoding="utf-8"?>
+<p:sld xmlns:a="http://schemas.openxmlformats.org/drawingml/2006/main" xmlns:r="http://schemas.openxmlformats.org/officeDocument/2006/relationships" xmlns:p="http://schemas.openxmlformats.org/presentationml/2006/main">
+  <p:cSld>
+    <p:spTree>
+      <p:nvGrpSpPr>
+        <p:cNvPr id="1" name=""/>
+        <p:cNvGrpSpPr/>
+        <p:nvPr/>
+      </p:nvGrpSpPr>
+      <p:grpSpPr>
+        <a:xfrm>
+          <a:off x="0" y="0"/>
+          <a:ext cx="0" cy="0"/>
+          <a:chOff x="0" y="0"/>
+          <a:chExt cx="0" cy="0"/>
+        </a:xfrm>
+      </p:grpSpPr>
+      <p:sp>
+        <p:nvSpPr>
+          <p:cNvPr id="2" name="Title 1"/>
+          <p:cNvSpPr>
+            <a:spLocks noGrp="1"/>
+          </p:cNvSpPr>
+          <p:nvPr>
+            <p:ph type="title"/>
+          </p:nvPr>
+        </p:nvSpPr>
+        <p:spPr/>
+        <p:txBody>
+          <a:bodyPr>
+            <a:normAutofit fontScale="90000"/>
+          </a:bodyPr>
+          <a:lstStyle/>
+          <a:p>
+            <a:r>
+              <a:rPr lang="en-US" dirty="0"/>
+              <a:t>Preliminary Results and Discussion</a:t>
+            </a:r>
+            <a:br>
+              <a:rPr lang="en-US" dirty="0"/>
+            </a:br>
+            <a:r>
+              <a:rPr lang="en-US" sz="2200" dirty="0"/>
+              <a:t>Approach </a:t>
+            </a:r>
+            <a:r>
+              <a:rPr lang="en-US" sz="2200" dirty="0" smtClean="0"/>
+              <a:t>II</a:t>
+            </a:r>
+            <a:endParaRPr lang="en-US" dirty="0"/>
+          </a:p>
+        </p:txBody>
+      </p:sp>
+      <p:sp>
+        <p:nvSpPr>
+          <p:cNvPr id="4" name="Content Placeholder 3"/>
+          <p:cNvSpPr>
+            <a:spLocks noGrp="1"/>
+          </p:cNvSpPr>
+          <p:nvPr>
+            <p:ph sz="quarter" idx="13"/>
+          </p:nvPr>
+        </p:nvSpPr>
+        <p:spPr/>
+        <p:txBody>
+          <a:bodyPr/>
+          <a:lstStyle/>
+          <a:p>
+            <a:endParaRPr lang="en-US" dirty="0"/>
+          </a:p>
+        </p:txBody>
+      </p:sp>
+      <p:sp>
+        <p:nvSpPr>
+          <p:cNvPr id="5" name="Content Placeholder 4"/>
+          <p:cNvSpPr>
+            <a:spLocks noGrp="1"/>
+          </p:cNvSpPr>
+          <p:nvPr>
+            <p:ph sz="quarter" idx="14"/>
+          </p:nvPr>
+        </p:nvSpPr>
+        <p:spPr/>
+        <p:txBody>
+          <a:bodyPr/>
+          <a:lstStyle/>
+          <a:p>
+            <a:endParaRPr lang="en-US" dirty="0"/>
+          </a:p>
+        </p:txBody>
+      </p:sp>
+      <p:pic>
+        <p:nvPicPr>
+          <p:cNvPr id="4098" name="Picture 2"/>
+          <p:cNvPicPr>
+            <a:picLocks noChangeAspect="1" noChangeArrowheads="1"/>
+          </p:cNvPicPr>
+          <p:nvPr/>
+        </p:nvPicPr>
+        <p:blipFill>
+          <a:blip r:embed="rId2">
+            <a:extLst>
+              <a:ext uri="{28A0092B-C50C-407E-A947-70E740481C1C}">
+                <a14:useLocalDpi xmlns:a14="http://schemas.microsoft.com/office/drawing/2010/main" val="0"/>
+              </a:ext>
+            </a:extLst>
+          </a:blip>
+          <a:srcRect/>
+          <a:stretch>
+            <a:fillRect/>
+          </a:stretch>
+        </p:blipFill>
+        <p:spPr bwMode="auto">
+          <a:xfrm>
+            <a:off x="685799" y="1523998"/>
+            <a:ext cx="3683193" cy="4953001"/>
+          </a:xfrm>
+          <a:prstGeom prst="rect">
+            <a:avLst/>
+          </a:prstGeom>
+          <a:noFill/>
+          <a:ln>
+            <a:noFill/>
+          </a:ln>
+          <a:effectLst/>
+          <a:extLst>
+            <a:ext uri="{909E8E84-426E-40DD-AFC4-6F175D3DCCD1}">
+              <a14:hiddenFill xmlns:a14="http://schemas.microsoft.com/office/drawing/2010/main">
+                <a:solidFill>
+                  <a:schemeClr val="accent1"/>
+                </a:solidFill>
+              </a14:hiddenFill>
+            </a:ext>
+            <a:ext uri="{91240B29-F687-4F45-9708-019B960494DF}">
+              <a14:hiddenLine xmlns:a14="http://schemas.microsoft.com/office/drawing/2010/main" w="9525">
+                <a:solidFill>
+                  <a:schemeClr val="tx1"/>
+                </a:solidFill>
+                <a:miter lim="800000"/>
+                <a:headEnd/>
+                <a:tailEnd/>
+              </a14:hiddenLine>
+            </a:ext>
+            <a:ext uri="{AF507438-7753-43E0-B8FC-AC1667EBCBE1}">
+              <a14:hiddenEffects xmlns:a14="http://schemas.microsoft.com/office/drawing/2010/main">
+                <a:effectLst>
+                  <a:outerShdw dist="35921" dir="2700000" algn="ctr" rotWithShape="0">
+                    <a:schemeClr val="bg2"/>
+                  </a:outerShdw>
+                </a:effectLst>
+              </a14:hiddenEffects>
+            </a:ext>
+          </a:extLst>
+        </p:spPr>
+      </p:pic>
+      <p:pic>
+        <p:nvPicPr>
+          <p:cNvPr id="4099" name="Picture 3"/>
+          <p:cNvPicPr>
+            <a:picLocks noChangeAspect="1" noChangeArrowheads="1"/>
+          </p:cNvPicPr>
+          <p:nvPr/>
+        </p:nvPicPr>
+        <p:blipFill>
+          <a:blip r:embed="rId3">
+            <a:extLst>
+              <a:ext uri="{28A0092B-C50C-407E-A947-70E740481C1C}">
+                <a14:useLocalDpi xmlns:a14="http://schemas.microsoft.com/office/drawing/2010/main" val="0"/>
+              </a:ext>
+            </a:extLst>
+          </a:blip>
+          <a:srcRect/>
+          <a:stretch>
+            <a:fillRect/>
+          </a:stretch>
+        </p:blipFill>
+        <p:spPr bwMode="auto">
+          <a:xfrm>
+            <a:off x="4800600" y="1523999"/>
+            <a:ext cx="3657600" cy="4953000"/>
+          </a:xfrm>
+          <a:prstGeom prst="rect">
+            <a:avLst/>
+          </a:prstGeom>
+          <a:noFill/>
+          <a:ln>
+            <a:noFill/>
+          </a:ln>
+          <a:effectLst/>
+          <a:extLst>
+            <a:ext uri="{909E8E84-426E-40DD-AFC4-6F175D3DCCD1}">
+              <a14:hiddenFill xmlns:a14="http://schemas.microsoft.com/office/drawing/2010/main">
+                <a:solidFill>
+                  <a:schemeClr val="accent1"/>
+                </a:solidFill>
+              </a14:hiddenFill>
+            </a:ext>
+            <a:ext uri="{91240B29-F687-4F45-9708-019B960494DF}">
+              <a14:hiddenLine xmlns:a14="http://schemas.microsoft.com/office/drawing/2010/main" w="9525">
+                <a:solidFill>
+                  <a:schemeClr val="tx1"/>
+                </a:solidFill>
+                <a:miter lim="800000"/>
+                <a:headEnd/>
+                <a:tailEnd/>
+              </a14:hiddenLine>
+            </a:ext>
+            <a:ext uri="{AF507438-7753-43E0-B8FC-AC1667EBCBE1}">
+              <a14:hiddenEffects xmlns:a14="http://schemas.microsoft.com/office/drawing/2010/main">
+                <a:effectLst>
+                  <a:outerShdw dist="35921" dir="2700000" algn="ctr" rotWithShape="0">
+                    <a:schemeClr val="bg2"/>
+                  </a:outerShdw>
+                </a:effectLst>
+              </a14:hiddenEffects>
+            </a:ext>
+          </a:extLst>
+        </p:spPr>
+      </p:pic>
+      <p:sp>
+        <p:nvSpPr>
+          <p:cNvPr id="9" name="TextBox 8"/>
+          <p:cNvSpPr txBox="1"/>
+          <p:nvPr/>
+        </p:nvSpPr>
+        <p:spPr>
+          <a:xfrm>
+            <a:off x="2786508" y="3429000"/>
+            <a:ext cx="1604927" cy="523220"/>
+          </a:xfrm>
+          <a:prstGeom prst="rect">
+            <a:avLst/>
+          </a:prstGeom>
+          <a:noFill/>
+        </p:spPr>
+        <p:txBody>
+          <a:bodyPr wrap="none" rtlCol="0">
+            <a:spAutoFit/>
+          </a:bodyPr>
+          <a:lstStyle/>
+          <a:p>
+            <a:r>
+              <a:rPr lang="pt-BR" sz="1400" dirty="0">
+                <a:solidFill>
+                  <a:srgbClr val="FFFF00"/>
+                </a:solidFill>
+              </a:rPr>
+              <a:t>SSIM: 0.9048</a:t>
+            </a:r>
+          </a:p>
+          <a:p>
+            <a:r>
+              <a:rPr lang="pt-BR" sz="1400" dirty="0">
+                <a:solidFill>
+                  <a:srgbClr val="FFFF00"/>
+                </a:solidFill>
+              </a:rPr>
+              <a:t>PSNR: +36.64 dB</a:t>
+            </a:r>
+            <a:endParaRPr lang="en-US" sz="1400" dirty="0">
+              <a:solidFill>
+                <a:srgbClr val="FFFF00"/>
+              </a:solidFill>
+            </a:endParaRPr>
+          </a:p>
+        </p:txBody>
+      </p:sp>
+      <p:sp>
+        <p:nvSpPr>
+          <p:cNvPr id="10" name="TextBox 9"/>
+          <p:cNvSpPr txBox="1"/>
+          <p:nvPr/>
+        </p:nvSpPr>
+        <p:spPr>
+          <a:xfrm>
+            <a:off x="6934200" y="3429000"/>
+            <a:ext cx="1604927" cy="523220"/>
+          </a:xfrm>
+          <a:prstGeom prst="rect">
+            <a:avLst/>
+          </a:prstGeom>
+          <a:noFill/>
+        </p:spPr>
+        <p:txBody>
+          <a:bodyPr wrap="none" rtlCol="0">
+            <a:spAutoFit/>
+          </a:bodyPr>
+          <a:lstStyle/>
+          <a:p>
+            <a:r>
+              <a:rPr lang="pt-BR" sz="1400" dirty="0">
+                <a:solidFill>
+                  <a:srgbClr val="FFFF00"/>
+                </a:solidFill>
+              </a:rPr>
+              <a:t>SSIM: 0.7460</a:t>
+            </a:r>
+          </a:p>
+          <a:p>
+            <a:r>
+              <a:rPr lang="pt-BR" sz="1400" dirty="0">
+                <a:solidFill>
+                  <a:srgbClr val="FFFF00"/>
+                </a:solidFill>
+              </a:rPr>
+              <a:t>PSNR: +31.51 dB</a:t>
+            </a:r>
+            <a:endParaRPr lang="en-US" sz="1400" dirty="0">
+              <a:solidFill>
+                <a:srgbClr val="FFFF00"/>
+              </a:solidFill>
+            </a:endParaRPr>
+          </a:p>
+        </p:txBody>
+      </p:sp>
+      <p:sp>
+        <p:nvSpPr>
+          <p:cNvPr id="11" name="TextBox 10"/>
+          <p:cNvSpPr txBox="1"/>
+          <p:nvPr/>
+        </p:nvSpPr>
+        <p:spPr>
+          <a:xfrm>
+            <a:off x="7250061" y="1595736"/>
+            <a:ext cx="2039379" cy="461665"/>
+          </a:xfrm>
+          <a:prstGeom prst="rect">
+            <a:avLst/>
+          </a:prstGeom>
+          <a:noFill/>
+        </p:spPr>
+        <p:txBody>
+          <a:bodyPr wrap="square" rtlCol="0">
+            <a:spAutoFit/>
+          </a:bodyPr>
+          <a:lstStyle/>
+          <a:p>
+            <a:r>
+              <a:rPr lang="pt-BR" sz="1200" dirty="0">
+                <a:solidFill>
+                  <a:schemeClr val="bg1"/>
+                </a:solidFill>
+              </a:rPr>
+              <a:t>SSIM: 0.7557</a:t>
+            </a:r>
+          </a:p>
+          <a:p>
+            <a:r>
+              <a:rPr lang="pt-BR" sz="1200" dirty="0">
+                <a:solidFill>
+                  <a:schemeClr val="bg1"/>
+                </a:solidFill>
+              </a:rPr>
+              <a:t>PSNR: +35.93 dB</a:t>
+            </a:r>
+            <a:endParaRPr lang="en-US" sz="1200" dirty="0">
+              <a:solidFill>
+                <a:schemeClr val="bg1"/>
+              </a:solidFill>
+            </a:endParaRPr>
+          </a:p>
+        </p:txBody>
+      </p:sp>
+      <p:sp>
+        <p:nvSpPr>
+          <p:cNvPr id="12" name="TextBox 11"/>
+          <p:cNvSpPr txBox="1"/>
+          <p:nvPr/>
+        </p:nvSpPr>
+        <p:spPr>
+          <a:xfrm>
+            <a:off x="3124198" y="1600200"/>
+            <a:ext cx="2039379" cy="461665"/>
+          </a:xfrm>
+          <a:prstGeom prst="rect">
+            <a:avLst/>
+          </a:prstGeom>
+          <a:noFill/>
+        </p:spPr>
+        <p:txBody>
+          <a:bodyPr wrap="square" rtlCol="0">
+            <a:spAutoFit/>
+          </a:bodyPr>
+          <a:lstStyle/>
+          <a:p>
+            <a:r>
+              <a:rPr lang="pt-BR" sz="1200" dirty="0">
+                <a:solidFill>
+                  <a:schemeClr val="bg1"/>
+                </a:solidFill>
+              </a:rPr>
+              <a:t>SSIM: 0.6631</a:t>
+            </a:r>
+          </a:p>
+          <a:p>
+            <a:r>
+              <a:rPr lang="pt-BR" sz="1200" dirty="0">
+                <a:solidFill>
+                  <a:schemeClr val="bg1"/>
+                </a:solidFill>
+              </a:rPr>
+              <a:t>PSNR: +30.10 dB</a:t>
+            </a:r>
+            <a:endParaRPr lang="en-US" sz="1200" dirty="0">
+              <a:solidFill>
+                <a:schemeClr val="bg1"/>
+              </a:solidFill>
+            </a:endParaRPr>
+          </a:p>
+        </p:txBody>
+      </p:sp>
+    </p:spTree>
+    <p:extLst>
+      <p:ext uri="{BB962C8B-B14F-4D97-AF65-F5344CB8AC3E}">
+        <p14:creationId xmlns:p14="http://schemas.microsoft.com/office/powerpoint/2010/main" val="2444915868"/>
+      </p:ext>
+    </p:extLst>
+  </p:cSld>
+  <p:clrMapOvr>
+    <a:masterClrMapping/>
+  </p:clrMapOvr>
+  <mc:AlternateContent xmlns:mc="http://schemas.openxmlformats.org/markup-compatibility/2006" xmlns:p14="http://schemas.microsoft.com/office/powerpoint/2010/main">
+    <mc:Choice Requires="p14">
+      <p:transition spd="slow" p14:dur="800">
+        <p14:flythrough/>
+      </p:transition>
+    </mc:Choice>
+    <mc:Fallback xmlns="">
+      <p:transition spd="slow">
+        <p:fade/>
+      </p:transition>
+    </mc:Fallback>
+  </mc:AlternateContent>
+  <p:timing>
+    <p:tnLst>
+      <p:par>
+        <p:cTn id="1" dur="indefinite" restart="never" nodeType="tmRoot"/>
+      </p:par>
+    </p:tnLst>
+  </p:timing>
+</p:sld>
+</file>
+
+<file path=ppt/slides/slide21.xml><?xml version="1.0" encoding="utf-8"?>
+<p:sld xmlns:a="http://schemas.openxmlformats.org/drawingml/2006/main" xmlns:r="http://schemas.openxmlformats.org/officeDocument/2006/relationships" xmlns:p="http://schemas.openxmlformats.org/presentationml/2006/main">
+  <p:cSld>
+    <p:spTree>
+      <p:nvGrpSpPr>
+        <p:cNvPr id="1" name=""/>
+        <p:cNvGrpSpPr/>
+        <p:nvPr/>
+      </p:nvGrpSpPr>
+      <p:grpSpPr>
+        <a:xfrm>
+          <a:off x="0" y="0"/>
+          <a:ext cx="0" cy="0"/>
+          <a:chOff x="0" y="0"/>
+          <a:chExt cx="0" cy="0"/>
+        </a:xfrm>
+      </p:grpSpPr>
+      <p:sp>
+        <p:nvSpPr>
+          <p:cNvPr id="2" name="Title 1"/>
+          <p:cNvSpPr>
+            <a:spLocks noGrp="1"/>
+          </p:cNvSpPr>
+          <p:nvPr>
+            <p:ph type="title"/>
+          </p:nvPr>
+        </p:nvSpPr>
+        <p:spPr/>
+        <p:txBody>
+          <a:bodyPr>
+            <a:normAutofit/>
+          </a:bodyPr>
+          <a:lstStyle/>
+          <a:p>
+            <a:r>
+              <a:rPr lang="en-US" dirty="0"/>
+              <a:t>Remaining </a:t>
+            </a:r>
+            <a:r>
+              <a:rPr lang="en-US" dirty="0" smtClean="0"/>
+              <a:t>Work</a:t>
+            </a:r>
+            <a:endParaRPr lang="en-US" dirty="0"/>
+          </a:p>
+        </p:txBody>
+      </p:sp>
+      <p:sp>
+        <p:nvSpPr>
+          <p:cNvPr id="3" name="Content Placeholder 2"/>
+          <p:cNvSpPr>
+            <a:spLocks noGrp="1"/>
+          </p:cNvSpPr>
+          <p:nvPr>
+            <p:ph idx="1"/>
+          </p:nvPr>
+        </p:nvSpPr>
+        <p:spPr/>
+        <p:txBody>
+          <a:bodyPr/>
+          <a:lstStyle/>
+          <a:p>
+            <a:r>
+              <a:rPr lang="en-US" dirty="0" smtClean="0"/>
+              <a:t>Refactor and Clean-up MATLAB Code</a:t>
+            </a:r>
+          </a:p>
+          <a:p>
+            <a:pPr lvl="1"/>
+            <a:r>
+              <a:rPr lang="en-US" dirty="0" smtClean="0"/>
+              <a:t>Consistent variable names and proper comments</a:t>
+            </a:r>
+          </a:p>
+          <a:p>
+            <a:pPr lvl="1"/>
+            <a:r>
+              <a:rPr lang="en-US" dirty="0" smtClean="0"/>
+              <a:t>Create functions of re-usable components</a:t>
+            </a:r>
+          </a:p>
+          <a:p>
+            <a:r>
+              <a:rPr lang="en-US" dirty="0" smtClean="0"/>
+              <a:t>Try different combinations of carrier and seed sequences and observe effects on the carrier and extracted seed</a:t>
+            </a:r>
+          </a:p>
+          <a:p>
+            <a:r>
+              <a:rPr lang="en-US" dirty="0" smtClean="0"/>
+              <a:t>Compile report</a:t>
+            </a:r>
+          </a:p>
+          <a:p>
+            <a:r>
+              <a:rPr lang="en-US" dirty="0"/>
+              <a:t>If time allows, encode one seed frame across many carrier frames for better output </a:t>
+            </a:r>
+            <a:r>
+              <a:rPr lang="en-US" dirty="0" smtClean="0"/>
+              <a:t>quality</a:t>
+            </a:r>
+            <a:endParaRPr lang="en-US" dirty="0"/>
+          </a:p>
+        </p:txBody>
+      </p:sp>
+    </p:spTree>
+    <p:extLst>
+      <p:ext uri="{BB962C8B-B14F-4D97-AF65-F5344CB8AC3E}">
+        <p14:creationId xmlns:p14="http://schemas.microsoft.com/office/powerpoint/2010/main" val="2827567523"/>
+      </p:ext>
+    </p:extLst>
+  </p:cSld>
+  <p:clrMapOvr>
+    <a:masterClrMapping/>
+  </p:clrMapOvr>
+  <mc:AlternateContent xmlns:mc="http://schemas.openxmlformats.org/markup-compatibility/2006" xmlns:p14="http://schemas.microsoft.com/office/powerpoint/2010/main">
+    <mc:Choice Requires="p14">
+      <p:transition spd="slow" p14:dur="800">
+        <p14:flythrough/>
+      </p:transition>
+    </mc:Choice>
+    <mc:Fallback xmlns="">
+      <p:transition spd="slow">
+        <p:fade/>
+      </p:transition>
+    </mc:Fallback>
+  </mc:AlternateContent>
+  <p:timing>
+    <p:tnLst>
+      <p:par>
+        <p:cTn id="1" dur="indefinite" restart="never" nodeType="tmRoot"/>
+      </p:par>
+    </p:tnLst>
+  </p:timing>
+</p:sld>
+</file>
+
+<file path=ppt/slides/slide22.xml><?xml version="1.0" encoding="utf-8"?>
+<p:sld xmlns:a="http://schemas.openxmlformats.org/drawingml/2006/main" xmlns:r="http://schemas.openxmlformats.org/officeDocument/2006/relationships" xmlns:p="http://schemas.openxmlformats.org/presentationml/2006/main">
+  <p:cSld>
+    <p:spTree>
+      <p:nvGrpSpPr>
+        <p:cNvPr id="1" name=""/>
+        <p:cNvGrpSpPr/>
+        <p:nvPr/>
+      </p:nvGrpSpPr>
+      <p:grpSpPr>
+        <a:xfrm>
+          <a:off x="0" y="0"/>
+          <a:ext cx="0" cy="0"/>
+          <a:chOff x="0" y="0"/>
+          <a:chExt cx="0" cy="0"/>
+        </a:xfrm>
+      </p:grpSpPr>
+      <p:sp>
+        <p:nvSpPr>
+          <p:cNvPr id="2" name="Title 1"/>
+          <p:cNvSpPr>
+            <a:spLocks noGrp="1"/>
+          </p:cNvSpPr>
+          <p:nvPr>
+            <p:ph type="title"/>
+          </p:nvPr>
+        </p:nvSpPr>
+        <p:spPr/>
+        <p:txBody>
+          <a:bodyPr/>
+          <a:lstStyle/>
+          <a:p>
+            <a:r>
+              <a:rPr lang="en-US" dirty="0" smtClean="0"/>
+              <a:t>Concluding Statement</a:t>
+            </a:r>
+            <a:endParaRPr lang="en-US" dirty="0"/>
+          </a:p>
+        </p:txBody>
+      </p:sp>
+      <p:sp>
+        <p:nvSpPr>
+          <p:cNvPr id="3" name="Content Placeholder 2"/>
+          <p:cNvSpPr>
+            <a:spLocks noGrp="1"/>
+          </p:cNvSpPr>
+          <p:nvPr>
+            <p:ph idx="1"/>
+          </p:nvPr>
+        </p:nvSpPr>
+        <p:spPr>
+          <a:xfrm>
+            <a:off x="685800" y="1219200"/>
+            <a:ext cx="7772400" cy="4495799"/>
+          </a:xfrm>
+        </p:spPr>
+        <p:txBody>
+          <a:bodyPr>
+            <a:normAutofit lnSpcReduction="10000"/>
+          </a:bodyPr>
+          <a:lstStyle/>
+          <a:p>
+            <a:r>
+              <a:rPr lang="en-US" dirty="0" smtClean="0"/>
+              <a:t>Ambitious initial requirements</a:t>
+            </a:r>
+          </a:p>
+          <a:p>
+            <a:pPr lvl="1"/>
+            <a:r>
+              <a:rPr lang="en-US" dirty="0" smtClean="0"/>
+              <a:t>Quality of either the carrier or the extracted seed must be </a:t>
+            </a:r>
+            <a:r>
+              <a:rPr lang="en-US" dirty="0" smtClean="0"/>
+              <a:t>sacrificed.</a:t>
+            </a:r>
+            <a:endParaRPr lang="en-US" dirty="0" smtClean="0"/>
+          </a:p>
+          <a:p>
+            <a:r>
+              <a:rPr lang="en-US" dirty="0" smtClean="0"/>
+              <a:t>Space constraints</a:t>
+            </a:r>
+          </a:p>
+          <a:p>
+            <a:pPr lvl="1"/>
+            <a:r>
+              <a:rPr lang="en-US" dirty="0" smtClean="0"/>
+              <a:t>There are only so many bits that can be hijacked before it becomes obvious that the image has been </a:t>
+            </a:r>
+            <a:r>
+              <a:rPr lang="en-US" dirty="0" smtClean="0"/>
+              <a:t>tampered with.</a:t>
+            </a:r>
+            <a:endParaRPr lang="en-US" dirty="0" smtClean="0"/>
+          </a:p>
+          <a:p>
+            <a:r>
+              <a:rPr lang="en-US" dirty="0" smtClean="0"/>
+              <a:t>Transformation side effects</a:t>
+            </a:r>
+          </a:p>
+          <a:p>
+            <a:pPr lvl="1"/>
+            <a:r>
+              <a:rPr lang="en-US" dirty="0" smtClean="0"/>
+              <a:t>Unexpected results caused by rounding errors during conversion from the frequency domain to the spatial domain and vice </a:t>
+            </a:r>
+            <a:r>
+              <a:rPr lang="en-US" dirty="0" smtClean="0"/>
+              <a:t>versa.</a:t>
+            </a:r>
+            <a:endParaRPr lang="en-US" dirty="0" smtClean="0"/>
+          </a:p>
+          <a:p>
+            <a:r>
+              <a:rPr lang="en-US" dirty="0" smtClean="0"/>
+              <a:t>QCIF and CIF</a:t>
+            </a:r>
+          </a:p>
+          <a:p>
+            <a:pPr lvl="1"/>
+            <a:r>
+              <a:rPr lang="en-US" dirty="0" smtClean="0"/>
+              <a:t>A fixed ratio between the carrier and seed resolutions made this project easier to </a:t>
+            </a:r>
+            <a:r>
+              <a:rPr lang="en-US" dirty="0" smtClean="0"/>
+              <a:t>conceptualize.</a:t>
+            </a:r>
+            <a:endParaRPr lang="en-US" dirty="0" smtClean="0"/>
+          </a:p>
+          <a:p>
+            <a:r>
+              <a:rPr lang="en-US" dirty="0" smtClean="0"/>
+              <a:t>Embedding in U and V channels</a:t>
+            </a:r>
+          </a:p>
+          <a:p>
+            <a:pPr lvl="1"/>
+            <a:r>
+              <a:rPr lang="en-US" dirty="0" smtClean="0"/>
+              <a:t>Our </a:t>
+            </a:r>
+            <a:r>
+              <a:rPr lang="en-US" dirty="0" err="1" smtClean="0"/>
+              <a:t>chroma</a:t>
+            </a:r>
+            <a:r>
+              <a:rPr lang="en-US" dirty="0" smtClean="0"/>
+              <a:t> subsampling of choice (4:2:0) made this impossible because data was </a:t>
+            </a:r>
+            <a:r>
+              <a:rPr lang="en-US" dirty="0" smtClean="0"/>
+              <a:t>lost when converting back and forth between YUV and RGB.</a:t>
+            </a:r>
+            <a:endParaRPr lang="en-US" dirty="0" smtClean="0"/>
+          </a:p>
+        </p:txBody>
+      </p:sp>
+    </p:spTree>
+    <p:extLst>
+      <p:ext uri="{BB962C8B-B14F-4D97-AF65-F5344CB8AC3E}">
+        <p14:creationId xmlns:p14="http://schemas.microsoft.com/office/powerpoint/2010/main" val="3269477320"/>
+      </p:ext>
+    </p:extLst>
+  </p:cSld>
+  <p:clrMapOvr>
+    <a:masterClrMapping/>
+  </p:clrMapOvr>
+  <mc:AlternateContent xmlns:mc="http://schemas.openxmlformats.org/markup-compatibility/2006" xmlns:p14="http://schemas.microsoft.com/office/powerpoint/2010/main">
+    <mc:Choice Requires="p14">
+      <p:transition spd="slow" p14:dur="800">
+        <p14:flythrough/>
+      </p:transition>
+    </mc:Choice>
+    <mc:Fallback xmlns="">
+      <p:transition spd="slow">
+        <p:fade/>
+      </p:transition>
+    </mc:Fallback>
+  </mc:AlternateContent>
+  <p:timing>
+    <p:tnLst>
+      <p:par>
+        <p:cTn id="1" dur="indefinite" restart="never" nodeType="tmRoot"/>
+      </p:par>
+    </p:tnLst>
+  </p:timing>
+</p:sld>
+</file>
+
+<file path=ppt/slides/slide23.xml><?xml version="1.0" encoding="utf-8"?>
+<p:sld xmlns:a="http://schemas.openxmlformats.org/drawingml/2006/main" xmlns:r="http://schemas.openxmlformats.org/officeDocument/2006/relationships" xmlns:p="http://schemas.openxmlformats.org/presentationml/2006/main">
+  <p:cSld>
+    <p:spTree>
+      <p:nvGrpSpPr>
+        <p:cNvPr id="1" name=""/>
+        <p:cNvGrpSpPr/>
+        <p:nvPr/>
+      </p:nvGrpSpPr>
+      <p:grpSpPr>
+        <a:xfrm>
+          <a:off x="0" y="0"/>
+          <a:ext cx="0" cy="0"/>
+          <a:chOff x="0" y="0"/>
+          <a:chExt cx="0" cy="0"/>
+        </a:xfrm>
+      </p:grpSpPr>
+      <p:sp>
+        <p:nvSpPr>
+          <p:cNvPr id="2" name="Title 1"/>
+          <p:cNvSpPr>
+            <a:spLocks noGrp="1"/>
+          </p:cNvSpPr>
+          <p:nvPr>
+            <p:ph type="title"/>
+          </p:nvPr>
+        </p:nvSpPr>
+        <p:spPr/>
+        <p:txBody>
+          <a:bodyPr>
+            <a:normAutofit/>
+          </a:bodyPr>
+          <a:lstStyle/>
+          <a:p>
+            <a:r>
+              <a:rPr lang="en-US" dirty="0" smtClean="0"/>
+              <a:t>References	</a:t>
+            </a:r>
+            <a:endParaRPr lang="en-US" dirty="0"/>
+          </a:p>
+        </p:txBody>
+      </p:sp>
+      <p:sp>
+        <p:nvSpPr>
+          <p:cNvPr id="3" name="Content Placeholder 2"/>
+          <p:cNvSpPr>
+            <a:spLocks noGrp="1"/>
+          </p:cNvSpPr>
+          <p:nvPr>
+            <p:ph idx="1"/>
+          </p:nvPr>
+        </p:nvSpPr>
+        <p:spPr/>
+        <p:txBody>
+          <a:bodyPr/>
+          <a:lstStyle/>
+          <a:p>
+            <a:r>
+              <a:rPr lang="en-US" dirty="0">
+                <a:hlinkClick r:id="rId2"/>
+              </a:rPr>
+              <a:t>http://</a:t>
+            </a:r>
+            <a:r>
+              <a:rPr lang="en-US" dirty="0" smtClean="0">
+                <a:hlinkClick r:id="rId2"/>
+              </a:rPr>
+              <a:t>www.mathworks.com/matlabcentral/fileexchange/6318-convert-yuv-cif-420-video-file-to-image-files</a:t>
+            </a:r>
+            <a:endParaRPr lang="en-US" dirty="0" smtClean="0"/>
+          </a:p>
+          <a:p>
+            <a:pPr lvl="1"/>
+            <a:r>
+              <a:rPr lang="en-US" dirty="0" smtClean="0"/>
+              <a:t>YUV sequence reading and writing in MATLAB by Da Yu</a:t>
+            </a:r>
+          </a:p>
+          <a:p>
+            <a:r>
+              <a:rPr lang="en-US" dirty="0">
+                <a:hlinkClick r:id="rId3"/>
+              </a:rPr>
+              <a:t>http://</a:t>
+            </a:r>
+            <a:r>
+              <a:rPr lang="en-US" dirty="0" smtClean="0">
+                <a:hlinkClick r:id="rId3"/>
+              </a:rPr>
+              <a:t>www.mathworks.com/matlabcentral/fileexchange/135-psnr/content/PSNR.m</a:t>
+            </a:r>
+            <a:endParaRPr lang="en-US" dirty="0" smtClean="0"/>
+          </a:p>
+          <a:p>
+            <a:pPr lvl="1"/>
+            <a:r>
+              <a:rPr lang="en-US" dirty="0" smtClean="0"/>
+              <a:t>PSNR implementation in MATLAB by John T. McCarthy</a:t>
+            </a:r>
+          </a:p>
+          <a:p>
+            <a:r>
+              <a:rPr lang="en-US" dirty="0">
+                <a:hlinkClick r:id="rId4"/>
+              </a:rPr>
+              <a:t>http://www.cns.nyu.edu/~lcv/ssim</a:t>
+            </a:r>
+            <a:r>
+              <a:rPr lang="en-US" dirty="0" smtClean="0">
+                <a:hlinkClick r:id="rId4"/>
+              </a:rPr>
+              <a:t>/</a:t>
+            </a:r>
+            <a:endParaRPr lang="en-US" dirty="0" smtClean="0"/>
+          </a:p>
+          <a:p>
+            <a:pPr lvl="1"/>
+            <a:r>
+              <a:rPr lang="en-US" dirty="0" smtClean="0"/>
+              <a:t>SSIM implementation in MATLAB by Zhou Wang</a:t>
+            </a:r>
+            <a:endParaRPr lang="en-US" dirty="0"/>
+          </a:p>
+        </p:txBody>
+      </p:sp>
+    </p:spTree>
+    <p:extLst>
+      <p:ext uri="{BB962C8B-B14F-4D97-AF65-F5344CB8AC3E}">
+        <p14:creationId xmlns:p14="http://schemas.microsoft.com/office/powerpoint/2010/main" val="618502773"/>
       </p:ext>
     </p:extLst>
   </p:cSld>
@@ -16412,16 +18496,22 @@
             <a:pPr lvl="1"/>
             <a:r>
               <a:rPr lang="en-US" dirty="0" smtClean="0"/>
-              <a:t>Bit Length Replacement Steganography Based on DCT, K B Shiva Kumar et. Al</a:t>
+              <a:t>Bit Length Replacement Steganography Based on DCT, K B Shiva Kumar et al.</a:t>
             </a:r>
           </a:p>
           <a:p>
             <a:pPr lvl="1"/>
             <a:r>
               <a:rPr lang="en-US" dirty="0" smtClean="0"/>
-              <a:t>A bit, no pun intended, confusing as it lacked information as regards with specific way of encoding/decoding. </a:t>
-            </a:r>
-            <a:endParaRPr lang="en-US" dirty="0" smtClean="0"/>
+              <a:t>A bit confusing as it lacked information regarding specific way of encoding/decoding</a:t>
+            </a:r>
+          </a:p>
+          <a:p>
+            <a:pPr lvl="2"/>
+            <a:r>
+              <a:rPr lang="en-US" dirty="0" smtClean="0"/>
+              <a:t>No pun intended</a:t>
+            </a:r>
           </a:p>
           <a:p>
             <a:r>
@@ -16473,7 +18563,7 @@
     </p:spTree>
     <p:extLst>
       <p:ext uri="{BB962C8B-B14F-4D97-AF65-F5344CB8AC3E}">
-        <p14:creationId xmlns:p14="http://schemas.microsoft.com/office/powerpoint/2010/main" val="2036374054"/>
+        <p14:creationId xmlns:p14="http://schemas.microsoft.com/office/powerpoint/2010/main" val="4102103252"/>
       </p:ext>
     </p:extLst>
   </p:cSld>
@@ -17039,14 +19129,32 @@
                 <a:pPr lvl="1"/>
                 <a:r>
                   <a:rPr lang="en-US" dirty="0" smtClean="0"/>
-                  <a:t>Ratio of carrier image resolution to seed image resolution is 4:1 – each block in the carrier image can hold a quarter of a block in the seed image</a:t>
+                  <a:t>Ratio of carrier image resolution to seed image resolution is 4:1 </a:t>
+                </a:r>
+              </a:p>
+              <a:p>
+                <a:pPr lvl="2"/>
+                <a:r>
+                  <a:rPr lang="en-US" dirty="0" smtClean="0"/>
+                  <a:t>Each block in the carrier image can hold a quarter of a block in the seed image</a:t>
                 </a:r>
               </a:p>
               <a:p>
                 <a:pPr lvl="1"/>
                 <a:r>
                   <a:rPr lang="en-US" dirty="0" smtClean="0"/>
-                  <a:t>Use bottom right half of each carrier image DCT coefficient matrix – gives 32 hiding places per block</a:t>
+                  <a:t>Use bottom right half of each carrier image DCT coefficient matrix </a:t>
+                </a:r>
+              </a:p>
+              <a:p>
+                <a:pPr lvl="2"/>
+                <a:r>
+                  <a:rPr lang="en-US" dirty="0"/>
+                  <a:t>G</a:t>
+                </a:r>
+                <a:r>
+                  <a:rPr lang="en-US" dirty="0" smtClean="0"/>
+                  <a:t>ives 32 hiding places per block</a:t>
                 </a:r>
               </a:p>
               <a:p>
@@ -17315,7 +19423,7 @@
               <a:blipFill rotWithShape="1">
                 <a:blip r:embed="rId2"/>
                 <a:stretch>
-                  <a:fillRect l="-706" t="-817" r="-1412"/>
+                  <a:fillRect l="-706" t="-817"/>
                 </a:stretch>
               </a:blipFill>
             </p:spPr>
